--- a/slides/Big Data.pptx
+++ b/slides/Big Data.pptx
@@ -5,7 +5,7 @@
     <p:sldMasterId id="2147483648" r:id="rId1"/>
   </p:sldMasterIdLst>
   <p:notesMasterIdLst>
-    <p:notesMasterId r:id="rId21"/>
+    <p:notesMasterId r:id="rId22"/>
   </p:notesMasterIdLst>
   <p:sldIdLst>
     <p:sldId id="256" r:id="rId2"/>
@@ -21,12 +21,13 @@
     <p:sldId id="315" r:id="rId12"/>
     <p:sldId id="316" r:id="rId13"/>
     <p:sldId id="317" r:id="rId14"/>
-    <p:sldId id="318" r:id="rId15"/>
-    <p:sldId id="319" r:id="rId16"/>
-    <p:sldId id="320" r:id="rId17"/>
-    <p:sldId id="321" r:id="rId18"/>
-    <p:sldId id="324" r:id="rId19"/>
+    <p:sldId id="325" r:id="rId15"/>
+    <p:sldId id="318" r:id="rId16"/>
+    <p:sldId id="319" r:id="rId17"/>
+    <p:sldId id="320" r:id="rId18"/>
+    <p:sldId id="321" r:id="rId19"/>
     <p:sldId id="323" r:id="rId20"/>
+    <p:sldId id="324" r:id="rId21"/>
   </p:sldIdLst>
   <p:sldSz cx="12192000" cy="6858000"/>
   <p:notesSz cx="6858000" cy="9144000"/>
@@ -264,7 +265,7 @@
       <p15:sldGuideLst xmlns:p15="http://schemas.microsoft.com/office/powerpoint/2012/main"/>
     </p:ext>
     <p:ext uri="http://customooxmlschemas.google.com/">
-      <go:slidesCustomData xmlns:go="http://customooxmlschemas.google.com/" xmlns:ahyp="http://schemas.microsoft.com/office/drawing/2018/hyperlinkcolor" xmlns:p15="http://schemas.microsoft.com/office/powerpoint/2012/main" xmlns:p14="http://schemas.microsoft.com/office/powerpoint/2010/main" xmlns:com="http://schemas.openxmlformats.org/drawingml/2006/compatibility" xmlns:pvml="urn:schemas-microsoft-com:office:powerpoint" xmlns:v="urn:schemas-microsoft-com:vml" xmlns:o="urn:schemas-microsoft-com:office:office" xmlns:dgm="http://schemas.openxmlformats.org/drawingml/2006/diagram" xmlns:c="http://schemas.openxmlformats.org/drawingml/2006/chart" xmlns:mv="urn:schemas-microsoft-com:mac:vml" xmlns:mc="http://schemas.openxmlformats.org/markup-compatibility/2006" xmlns="" r:id="rId35" roundtripDataSignature="AMtx7miuGAYpEUa6YWxgWsB/YZMBTWybsQ=="/>
+      <go:slidesCustomData xmlns="" xmlns:mc="http://schemas.openxmlformats.org/markup-compatibility/2006" xmlns:mv="urn:schemas-microsoft-com:mac:vml" xmlns:c="http://schemas.openxmlformats.org/drawingml/2006/chart" xmlns:dgm="http://schemas.openxmlformats.org/drawingml/2006/diagram" xmlns:o="urn:schemas-microsoft-com:office:office" xmlns:v="urn:schemas-microsoft-com:vml" xmlns:pvml="urn:schemas-microsoft-com:office:powerpoint" xmlns:com="http://schemas.openxmlformats.org/drawingml/2006/compatibility" xmlns:p14="http://schemas.microsoft.com/office/powerpoint/2010/main" xmlns:p15="http://schemas.microsoft.com/office/powerpoint/2012/main" xmlns:ahyp="http://schemas.microsoft.com/office/drawing/2018/hyperlinkcolor" xmlns:go="http://customooxmlschemas.google.com/" r:id="rId35" roundtripDataSignature="AMtx7miuGAYpEUa6YWxgWsB/YZMBTWybsQ=="/>
     </p:ext>
   </p:extLst>
 </p:presentation>
@@ -2102,7 +2103,7 @@
     </p:spTree>
     <p:extLst>
       <p:ext uri="{BB962C8B-B14F-4D97-AF65-F5344CB8AC3E}">
-        <p14:creationId xmlns:p14="http://schemas.microsoft.com/office/powerpoint/2010/main" val="4078709114"/>
+        <p14:creationId xmlns:p14="http://schemas.microsoft.com/office/powerpoint/2010/main" val="4078444201"/>
       </p:ext>
     </p:extLst>
   </p:cSld>
@@ -2211,7 +2212,7 @@
     </p:spTree>
     <p:extLst>
       <p:ext uri="{BB962C8B-B14F-4D97-AF65-F5344CB8AC3E}">
-        <p14:creationId xmlns:p14="http://schemas.microsoft.com/office/powerpoint/2010/main" val="49561235"/>
+        <p14:creationId xmlns:p14="http://schemas.microsoft.com/office/powerpoint/2010/main" val="4078709114"/>
       </p:ext>
     </p:extLst>
   </p:cSld>
@@ -2320,7 +2321,7 @@
     </p:spTree>
     <p:extLst>
       <p:ext uri="{BB962C8B-B14F-4D97-AF65-F5344CB8AC3E}">
-        <p14:creationId xmlns:p14="http://schemas.microsoft.com/office/powerpoint/2010/main" val="533792543"/>
+        <p14:creationId xmlns:p14="http://schemas.microsoft.com/office/powerpoint/2010/main" val="49561235"/>
       </p:ext>
     </p:extLst>
   </p:cSld>
@@ -2429,7 +2430,7 @@
     </p:spTree>
     <p:extLst>
       <p:ext uri="{BB962C8B-B14F-4D97-AF65-F5344CB8AC3E}">
-        <p14:creationId xmlns:p14="http://schemas.microsoft.com/office/powerpoint/2010/main" val="378808124"/>
+        <p14:creationId xmlns:p14="http://schemas.microsoft.com/office/powerpoint/2010/main" val="533792543"/>
       </p:ext>
     </p:extLst>
   </p:cSld>
@@ -2538,7 +2539,7 @@
     </p:spTree>
     <p:extLst>
       <p:ext uri="{BB962C8B-B14F-4D97-AF65-F5344CB8AC3E}">
-        <p14:creationId xmlns:p14="http://schemas.microsoft.com/office/powerpoint/2010/main" val="3912061532"/>
+        <p14:creationId xmlns:p14="http://schemas.microsoft.com/office/powerpoint/2010/main" val="378808124"/>
       </p:ext>
     </p:extLst>
   </p:cSld>
@@ -2754,6 +2755,115 @@
         </p:spPr>
       </p:sp>
     </p:spTree>
+  </p:cSld>
+  <p:clrMapOvr>
+    <a:masterClrMapping/>
+  </p:clrMapOvr>
+</p:notes>
+</file>
+
+<file path=ppt/notesSlides/notesSlide20.xml><?xml version="1.0" encoding="utf-8"?>
+<p:notes xmlns:a="http://schemas.openxmlformats.org/drawingml/2006/main" xmlns:r="http://schemas.openxmlformats.org/officeDocument/2006/relationships" xmlns:p="http://schemas.openxmlformats.org/presentationml/2006/main" showMasterSp="0" showMasterPhAnim="0">
+  <p:cSld>
+    <p:spTree>
+      <p:nvGrpSpPr>
+        <p:cNvPr id="1" name="Shape 96"/>
+        <p:cNvGrpSpPr/>
+        <p:nvPr/>
+      </p:nvGrpSpPr>
+      <p:grpSpPr>
+        <a:xfrm>
+          <a:off x="0" y="0"/>
+          <a:ext cx="0" cy="0"/>
+          <a:chOff x="0" y="0"/>
+          <a:chExt cx="0" cy="0"/>
+        </a:xfrm>
+      </p:grpSpPr>
+      <p:sp>
+        <p:nvSpPr>
+          <p:cNvPr id="97" name="Google Shape;97;p3:notes"/>
+          <p:cNvSpPr txBox="1">
+            <a:spLocks noGrp="1"/>
+          </p:cNvSpPr>
+          <p:nvPr>
+            <p:ph type="body" idx="1"/>
+          </p:nvPr>
+        </p:nvSpPr>
+        <p:spPr>
+          <a:xfrm>
+            <a:off x="685800" y="4400550"/>
+            <a:ext cx="5486400" cy="3600450"/>
+          </a:xfrm>
+          <a:prstGeom prst="rect">
+            <a:avLst/>
+          </a:prstGeom>
+        </p:spPr>
+        <p:txBody>
+          <a:bodyPr spcFirstLastPara="1" wrap="square" lIns="91425" tIns="45700" rIns="91425" bIns="45700" anchor="t" anchorCtr="0">
+            <a:noAutofit/>
+          </a:bodyPr>
+          <a:lstStyle/>
+          <a:p>
+            <a:pPr marL="0" lvl="0" indent="0" algn="l" rtl="0">
+              <a:spcBef>
+                <a:spcPts val="0"/>
+              </a:spcBef>
+              <a:spcAft>
+                <a:spcPts val="0"/>
+              </a:spcAft>
+              <a:buNone/>
+            </a:pPr>
+            <a:endParaRPr/>
+          </a:p>
+        </p:txBody>
+      </p:sp>
+      <p:sp>
+        <p:nvSpPr>
+          <p:cNvPr id="98" name="Google Shape;98;p3:notes"/>
+          <p:cNvSpPr>
+            <a:spLocks noGrp="1" noRot="1" noChangeAspect="1"/>
+          </p:cNvSpPr>
+          <p:nvPr>
+            <p:ph type="sldImg" idx="2"/>
+          </p:nvPr>
+        </p:nvSpPr>
+        <p:spPr>
+          <a:xfrm>
+            <a:off x="685800" y="1143000"/>
+            <a:ext cx="5486400" cy="3086100"/>
+          </a:xfrm>
+          <a:custGeom>
+            <a:avLst/>
+            <a:gdLst/>
+            <a:ahLst/>
+            <a:cxnLst/>
+            <a:rect l="l" t="t" r="r" b="b"/>
+            <a:pathLst>
+              <a:path w="120000" h="120000" extrusionOk="0">
+                <a:moveTo>
+                  <a:pt x="0" y="0"/>
+                </a:moveTo>
+                <a:lnTo>
+                  <a:pt x="120000" y="0"/>
+                </a:lnTo>
+                <a:lnTo>
+                  <a:pt x="120000" y="120000"/>
+                </a:lnTo>
+                <a:lnTo>
+                  <a:pt x="0" y="120000"/>
+                </a:lnTo>
+                <a:close/>
+              </a:path>
+            </a:pathLst>
+          </a:custGeom>
+        </p:spPr>
+      </p:sp>
+    </p:spTree>
+    <p:extLst>
+      <p:ext uri="{BB962C8B-B14F-4D97-AF65-F5344CB8AC3E}">
+        <p14:creationId xmlns:p14="http://schemas.microsoft.com/office/powerpoint/2010/main" val="3912061532"/>
+      </p:ext>
+    </p:extLst>
   </p:cSld>
   <p:clrMapOvr>
     <a:masterClrMapping/>
@@ -15780,17 +15890,7 @@
                 <a:effectLst/>
                 <a:latin typeface="+mj-lt"/>
               </a:rPr>
-              <a:t> en lenguajes bien conocidos como R, Python, Scala o Java y sirve para procesar datos de forma paralela en un </a:t>
-            </a:r>
-            <a:r>
-              <a:rPr lang="es-ES" sz="1800" i="1" dirty="0" err="1">
-                <a:solidFill>
-                  <a:schemeClr val="bg1"/>
-                </a:solidFill>
-                <a:effectLst/>
-                <a:latin typeface="+mj-lt"/>
-              </a:rPr>
-              <a:t>cluster</a:t>
+              <a:t> en lenguajes bien conocidos como R, Python, Scala o Java y sirve para procesar datos de forma paralela en un clúster”</a:t>
             </a:r>
             <a:endParaRPr lang="es-ES" sz="1800" i="1" dirty="0">
               <a:solidFill>
@@ -16137,6 +16237,537 @@
                   <a:srgbClr val="D8D8D8"/>
                 </a:solidFill>
               </a:rPr>
+              <a:t>High </a:t>
+            </a:r>
+            <a:r>
+              <a:rPr lang="es-ES" sz="1800" i="1" dirty="0" err="1">
+                <a:solidFill>
+                  <a:srgbClr val="D8D8D8"/>
+                </a:solidFill>
+              </a:rPr>
+              <a:t>Distributed</a:t>
+            </a:r>
+            <a:r>
+              <a:rPr lang="es-ES" sz="1800" i="1" dirty="0">
+                <a:solidFill>
+                  <a:srgbClr val="D8D8D8"/>
+                </a:solidFill>
+              </a:rPr>
+              <a:t> File </a:t>
+            </a:r>
+            <a:r>
+              <a:rPr lang="es-ES" sz="1800" i="1" dirty="0" err="1">
+                <a:solidFill>
+                  <a:srgbClr val="D8D8D8"/>
+                </a:solidFill>
+              </a:rPr>
+              <a:t>System</a:t>
+            </a:r>
+            <a:endParaRPr dirty="0"/>
+          </a:p>
+        </p:txBody>
+      </p:sp>
+      <p:sp>
+        <p:nvSpPr>
+          <p:cNvPr id="102" name="Google Shape;102;p3"/>
+          <p:cNvSpPr/>
+          <p:nvPr/>
+        </p:nvSpPr>
+        <p:spPr>
+          <a:xfrm>
+            <a:off x="497691" y="763312"/>
+            <a:ext cx="90138" cy="654341"/>
+          </a:xfrm>
+          <a:prstGeom prst="rect">
+            <a:avLst/>
+          </a:prstGeom>
+          <a:solidFill>
+            <a:srgbClr val="C00000"/>
+          </a:solidFill>
+          <a:ln>
+            <a:noFill/>
+          </a:ln>
+        </p:spPr>
+        <p:txBody>
+          <a:bodyPr spcFirstLastPara="1" wrap="square" lIns="91425" tIns="45700" rIns="91425" bIns="45700" anchor="ctr" anchorCtr="0">
+            <a:noAutofit/>
+          </a:bodyPr>
+          <a:lstStyle/>
+          <a:p>
+            <a:pPr marL="0" marR="0" lvl="0" indent="0" algn="ctr" rtl="0">
+              <a:spcBef>
+                <a:spcPts val="0"/>
+              </a:spcBef>
+              <a:spcAft>
+                <a:spcPts val="0"/>
+              </a:spcAft>
+              <a:buNone/>
+            </a:pPr>
+            <a:endParaRPr sz="1800" b="0" i="0" u="none" strike="noStrike" cap="none">
+              <a:solidFill>
+                <a:schemeClr val="lt1"/>
+              </a:solidFill>
+              <a:latin typeface="Calibri"/>
+              <a:ea typeface="Calibri"/>
+              <a:cs typeface="Calibri"/>
+              <a:sym typeface="Calibri"/>
+            </a:endParaRPr>
+          </a:p>
+        </p:txBody>
+      </p:sp>
+      <p:sp>
+        <p:nvSpPr>
+          <p:cNvPr id="7" name="CuadroTexto 6">
+            <a:extLst>
+              <a:ext uri="{FF2B5EF4-FFF2-40B4-BE49-F238E27FC236}">
+                <a16:creationId xmlns:a16="http://schemas.microsoft.com/office/drawing/2014/main" id="{A01360A7-5209-43E4-ACE4-FDFF0D04EFFB}"/>
+              </a:ext>
+            </a:extLst>
+          </p:cNvPr>
+          <p:cNvSpPr txBox="1"/>
+          <p:nvPr/>
+        </p:nvSpPr>
+        <p:spPr>
+          <a:xfrm>
+            <a:off x="2109602" y="2146980"/>
+            <a:ext cx="7972795" cy="2031325"/>
+          </a:xfrm>
+          <a:prstGeom prst="rect">
+            <a:avLst/>
+          </a:prstGeom>
+          <a:noFill/>
+        </p:spPr>
+        <p:txBody>
+          <a:bodyPr wrap="square" rtlCol="0">
+            <a:spAutoFit/>
+          </a:bodyPr>
+          <a:lstStyle/>
+          <a:p>
+            <a:pPr algn="ctr"/>
+            <a:r>
+              <a:rPr lang="es-ES" sz="1800" i="1" dirty="0">
+                <a:solidFill>
+                  <a:schemeClr val="bg1"/>
+                </a:solidFill>
+                <a:latin typeface="+mj-lt"/>
+              </a:rPr>
+              <a:t>“</a:t>
+            </a:r>
+            <a:r>
+              <a:rPr lang="es-ES" sz="1800" i="1" dirty="0">
+                <a:solidFill>
+                  <a:schemeClr val="bg1"/>
+                </a:solidFill>
+                <a:effectLst/>
+                <a:latin typeface="+mj-lt"/>
+              </a:rPr>
+              <a:t>Delta Lake es una capa de almacenamiento de código abierto que aporta confiabilidad a los lagos de datos. Delta Lake proporciona transacciones ACID, control escalable de metadatos y unifica el procesamiento de datos de </a:t>
+            </a:r>
+            <a:r>
+              <a:rPr lang="es-ES" sz="1800" i="1" dirty="0" err="1">
+                <a:solidFill>
+                  <a:schemeClr val="bg1"/>
+                </a:solidFill>
+                <a:effectLst/>
+                <a:latin typeface="+mj-lt"/>
+              </a:rPr>
+              <a:t>streaming</a:t>
+            </a:r>
+            <a:r>
+              <a:rPr lang="es-ES" sz="1800" i="1" dirty="0">
+                <a:solidFill>
+                  <a:schemeClr val="bg1"/>
+                </a:solidFill>
+                <a:effectLst/>
+                <a:latin typeface="+mj-lt"/>
+              </a:rPr>
+              <a:t> y por lotes. Delta Lake se ejecuta sobre su lago de datos existente y es totalmente compatible con las API de Apache </a:t>
+            </a:r>
+            <a:r>
+              <a:rPr lang="es-ES" sz="1800" i="1" dirty="0" err="1">
+                <a:solidFill>
+                  <a:schemeClr val="bg1"/>
+                </a:solidFill>
+                <a:effectLst/>
+                <a:latin typeface="+mj-lt"/>
+              </a:rPr>
+              <a:t>Spark</a:t>
+            </a:r>
+            <a:r>
+              <a:rPr lang="es-ES" sz="1800" i="1" dirty="0">
+                <a:solidFill>
+                  <a:schemeClr val="bg1"/>
+                </a:solidFill>
+                <a:effectLst/>
+                <a:latin typeface="+mj-lt"/>
+              </a:rPr>
+              <a:t>. Delta Lake en Azure </a:t>
+            </a:r>
+            <a:r>
+              <a:rPr lang="es-ES" sz="1800" i="1" dirty="0" err="1">
+                <a:solidFill>
+                  <a:schemeClr val="bg1"/>
+                </a:solidFill>
+                <a:effectLst/>
+                <a:latin typeface="+mj-lt"/>
+              </a:rPr>
+              <a:t>Databricks</a:t>
+            </a:r>
+            <a:r>
+              <a:rPr lang="es-ES" sz="1800" i="1" dirty="0">
+                <a:solidFill>
+                  <a:schemeClr val="bg1"/>
+                </a:solidFill>
+                <a:effectLst/>
+                <a:latin typeface="+mj-lt"/>
+              </a:rPr>
+              <a:t> permite configurar el lago Delta en función de los patrones de las cargas de trabajo.”</a:t>
+            </a:r>
+            <a:endParaRPr lang="es-ES" sz="1800" i="1" dirty="0">
+              <a:solidFill>
+                <a:schemeClr val="bg1"/>
+              </a:solidFill>
+              <a:latin typeface="+mj-lt"/>
+            </a:endParaRPr>
+          </a:p>
+        </p:txBody>
+      </p:sp>
+      <p:pic>
+        <p:nvPicPr>
+          <p:cNvPr id="5124" name="Picture 4" descr="Comparing Databricks to Apache Spark - Databricks">
+            <a:extLst>
+              <a:ext uri="{FF2B5EF4-FFF2-40B4-BE49-F238E27FC236}">
+                <a16:creationId xmlns:a16="http://schemas.microsoft.com/office/drawing/2014/main" id="{F41683CF-704A-4AFF-89FA-F5DBAE84E2ED}"/>
+              </a:ext>
+            </a:extLst>
+          </p:cNvPr>
+          <p:cNvPicPr>
+            <a:picLocks noChangeAspect="1" noChangeArrowheads="1"/>
+          </p:cNvPicPr>
+          <p:nvPr/>
+        </p:nvPicPr>
+        <p:blipFill>
+          <a:blip r:embed="rId3">
+            <a:extLst>
+              <a:ext uri="{28A0092B-C50C-407E-A947-70E740481C1C}">
+                <a14:useLocalDpi xmlns:a14="http://schemas.microsoft.com/office/drawing/2010/main" val="0"/>
+              </a:ext>
+            </a:extLst>
+          </a:blip>
+          <a:srcRect/>
+          <a:stretch>
+            <a:fillRect/>
+          </a:stretch>
+        </p:blipFill>
+        <p:spPr bwMode="auto">
+          <a:xfrm>
+            <a:off x="9896474" y="538535"/>
+            <a:ext cx="1666875" cy="866775"/>
+          </a:xfrm>
+          <a:prstGeom prst="rect">
+            <a:avLst/>
+          </a:prstGeom>
+          <a:noFill/>
+          <a:extLst>
+            <a:ext uri="{909E8E84-426E-40DD-AFC4-6F175D3DCCD1}">
+              <a14:hiddenFill xmlns:a14="http://schemas.microsoft.com/office/drawing/2010/main">
+                <a:solidFill>
+                  <a:srgbClr val="FFFFFF"/>
+                </a:solidFill>
+              </a14:hiddenFill>
+            </a:ext>
+          </a:extLst>
+        </p:spPr>
+      </p:pic>
+      <p:pic>
+        <p:nvPicPr>
+          <p:cNvPr id="5126" name="Picture 6" descr="S+ruc+ured &#10;S+reaminq &#10;Datasets &#10;Advanced &#10;Analy+ics &#10;S+ruc+ured APIs &#10;Da+oFrarnes &#10;Low-level APIs &#10;Libraries L &#10;Ecosystem &#10;SQL &#10;Di$+ribu+ed Variables ">
+            <a:extLst>
+              <a:ext uri="{FF2B5EF4-FFF2-40B4-BE49-F238E27FC236}">
+                <a16:creationId xmlns:a16="http://schemas.microsoft.com/office/drawing/2014/main" id="{429A18B5-6EDD-4829-8548-165851EBE38D}"/>
+              </a:ext>
+            </a:extLst>
+          </p:cNvPr>
+          <p:cNvPicPr>
+            <a:picLocks noChangeAspect="1" noChangeArrowheads="1"/>
+          </p:cNvPicPr>
+          <p:nvPr/>
+        </p:nvPicPr>
+        <p:blipFill>
+          <a:blip r:embed="rId4">
+            <a:extLst>
+              <a:ext uri="{28A0092B-C50C-407E-A947-70E740481C1C}">
+                <a14:useLocalDpi xmlns:a14="http://schemas.microsoft.com/office/drawing/2010/main" val="0"/>
+              </a:ext>
+            </a:extLst>
+          </a:blip>
+          <a:srcRect/>
+          <a:stretch>
+            <a:fillRect/>
+          </a:stretch>
+        </p:blipFill>
+        <p:spPr bwMode="auto">
+          <a:xfrm>
+            <a:off x="3962060" y="3305391"/>
+            <a:ext cx="4485594" cy="3021592"/>
+          </a:xfrm>
+          <a:prstGeom prst="rect">
+            <a:avLst/>
+          </a:prstGeom>
+          <a:noFill/>
+          <a:extLst>
+            <a:ext uri="{909E8E84-426E-40DD-AFC4-6F175D3DCCD1}">
+              <a14:hiddenFill xmlns:a14="http://schemas.microsoft.com/office/drawing/2010/main">
+                <a:solidFill>
+                  <a:srgbClr val="FFFFFF"/>
+                </a:solidFill>
+              </a14:hiddenFill>
+            </a:ext>
+          </a:extLst>
+        </p:spPr>
+      </p:pic>
+      <p:sp>
+        <p:nvSpPr>
+          <p:cNvPr id="2" name="CuadroTexto 1">
+            <a:extLst>
+              <a:ext uri="{FF2B5EF4-FFF2-40B4-BE49-F238E27FC236}">
+                <a16:creationId xmlns:a16="http://schemas.microsoft.com/office/drawing/2014/main" id="{1C4A9D70-C482-4B98-843A-F685EAEFE801}"/>
+              </a:ext>
+            </a:extLst>
+          </p:cNvPr>
+          <p:cNvSpPr txBox="1"/>
+          <p:nvPr/>
+        </p:nvSpPr>
+        <p:spPr>
+          <a:xfrm>
+            <a:off x="409575" y="3629025"/>
+            <a:ext cx="2686050" cy="1384995"/>
+          </a:xfrm>
+          <a:prstGeom prst="rect">
+            <a:avLst/>
+          </a:prstGeom>
+          <a:noFill/>
+        </p:spPr>
+        <p:txBody>
+          <a:bodyPr wrap="square" rtlCol="0">
+            <a:spAutoFit/>
+          </a:bodyPr>
+          <a:lstStyle/>
+          <a:p>
+            <a:r>
+              <a:rPr lang="es-ES" dirty="0">
+                <a:solidFill>
+                  <a:schemeClr val="bg1"/>
+                </a:solidFill>
+              </a:rPr>
+              <a:t>Escrito en Scala</a:t>
+            </a:r>
+          </a:p>
+          <a:p>
+            <a:r>
+              <a:rPr lang="es-ES" dirty="0">
+                <a:solidFill>
+                  <a:schemeClr val="bg1"/>
+                </a:solidFill>
+              </a:rPr>
+              <a:t>Corre sobre Java (JVM)</a:t>
+            </a:r>
+          </a:p>
+          <a:p>
+            <a:endParaRPr lang="es-ES" dirty="0">
+              <a:solidFill>
+                <a:schemeClr val="bg1"/>
+              </a:solidFill>
+            </a:endParaRPr>
+          </a:p>
+          <a:p>
+            <a:r>
+              <a:rPr lang="es-ES" dirty="0">
+                <a:solidFill>
+                  <a:schemeClr val="bg1"/>
+                </a:solidFill>
+              </a:rPr>
+              <a:t>Se combina con Hadoop</a:t>
+            </a:r>
+          </a:p>
+          <a:p>
+            <a:endParaRPr lang="es-ES" dirty="0">
+              <a:solidFill>
+                <a:schemeClr val="bg1"/>
+              </a:solidFill>
+            </a:endParaRPr>
+          </a:p>
+          <a:p>
+            <a:r>
+              <a:rPr lang="es-ES" dirty="0" err="1">
+                <a:solidFill>
+                  <a:schemeClr val="bg1"/>
+                </a:solidFill>
+              </a:rPr>
+              <a:t>Librerias</a:t>
+            </a:r>
+            <a:r>
+              <a:rPr lang="es-ES" dirty="0">
+                <a:solidFill>
+                  <a:schemeClr val="bg1"/>
+                </a:solidFill>
+              </a:rPr>
+              <a:t> y </a:t>
+            </a:r>
+            <a:r>
+              <a:rPr lang="es-ES" dirty="0" err="1">
+                <a:solidFill>
+                  <a:schemeClr val="bg1"/>
+                </a:solidFill>
+              </a:rPr>
+              <a:t>APIs</a:t>
+            </a:r>
+            <a:r>
+              <a:rPr lang="es-ES" dirty="0">
+                <a:solidFill>
+                  <a:schemeClr val="bg1"/>
+                </a:solidFill>
+              </a:rPr>
+              <a:t> de terceros</a:t>
+            </a:r>
+          </a:p>
+        </p:txBody>
+      </p:sp>
+    </p:spTree>
+    <p:extLst>
+      <p:ext uri="{BB962C8B-B14F-4D97-AF65-F5344CB8AC3E}">
+        <p14:creationId xmlns:p14="http://schemas.microsoft.com/office/powerpoint/2010/main" val="1675177504"/>
+      </p:ext>
+    </p:extLst>
+  </p:cSld>
+  <p:clrMapOvr>
+    <a:masterClrMapping/>
+  </p:clrMapOvr>
+</p:sld>
+</file>
+
+<file path=ppt/slides/slide15.xml><?xml version="1.0" encoding="utf-8"?>
+<p:sld xmlns:a="http://schemas.openxmlformats.org/drawingml/2006/main" xmlns:r="http://schemas.openxmlformats.org/officeDocument/2006/relationships" xmlns:p="http://schemas.openxmlformats.org/presentationml/2006/main">
+  <p:cSld>
+    <p:spTree>
+      <p:nvGrpSpPr>
+        <p:cNvPr id="1" name="Shape 99"/>
+        <p:cNvGrpSpPr/>
+        <p:nvPr/>
+      </p:nvGrpSpPr>
+      <p:grpSpPr>
+        <a:xfrm>
+          <a:off x="0" y="0"/>
+          <a:ext cx="0" cy="0"/>
+          <a:chOff x="0" y="0"/>
+          <a:chExt cx="0" cy="0"/>
+        </a:xfrm>
+      </p:grpSpPr>
+      <p:sp>
+        <p:nvSpPr>
+          <p:cNvPr id="100" name="Google Shape;100;p3"/>
+          <p:cNvSpPr txBox="1">
+            <a:spLocks noGrp="1"/>
+          </p:cNvSpPr>
+          <p:nvPr>
+            <p:ph type="title"/>
+          </p:nvPr>
+        </p:nvSpPr>
+        <p:spPr>
+          <a:xfrm>
+            <a:off x="716902" y="309142"/>
+            <a:ext cx="10515600" cy="1325563"/>
+          </a:xfrm>
+          <a:prstGeom prst="rect">
+            <a:avLst/>
+          </a:prstGeom>
+          <a:noFill/>
+          <a:ln>
+            <a:noFill/>
+          </a:ln>
+        </p:spPr>
+        <p:txBody>
+          <a:bodyPr spcFirstLastPara="1" wrap="square" lIns="91425" tIns="45700" rIns="91425" bIns="45700" anchor="ctr" anchorCtr="0">
+            <a:normAutofit/>
+          </a:bodyPr>
+          <a:lstStyle/>
+          <a:p>
+            <a:pPr marL="0" lvl="0" indent="0" algn="l" rtl="0">
+              <a:lnSpc>
+                <a:spcPct val="90000"/>
+              </a:lnSpc>
+              <a:spcBef>
+                <a:spcPts val="0"/>
+              </a:spcBef>
+              <a:spcAft>
+                <a:spcPts val="0"/>
+              </a:spcAft>
+              <a:buClr>
+                <a:schemeClr val="lt1"/>
+              </a:buClr>
+              <a:buSzPts val="4400"/>
+              <a:buFont typeface="Calibri"/>
+              <a:buNone/>
+            </a:pPr>
+            <a:r>
+              <a:rPr lang="es-ES" dirty="0" err="1"/>
+              <a:t>Spark</a:t>
+            </a:r>
+            <a:endParaRPr dirty="0"/>
+          </a:p>
+        </p:txBody>
+      </p:sp>
+      <p:sp>
+        <p:nvSpPr>
+          <p:cNvPr id="101" name="Google Shape;101;p3"/>
+          <p:cNvSpPr txBox="1">
+            <a:spLocks noGrp="1"/>
+          </p:cNvSpPr>
+          <p:nvPr>
+            <p:ph type="body" idx="1"/>
+          </p:nvPr>
+        </p:nvSpPr>
+        <p:spPr>
+          <a:xfrm>
+            <a:off x="716902" y="1283082"/>
+            <a:ext cx="5487955" cy="479036"/>
+          </a:xfrm>
+          <a:prstGeom prst="rect">
+            <a:avLst/>
+          </a:prstGeom>
+          <a:noFill/>
+          <a:ln>
+            <a:noFill/>
+          </a:ln>
+        </p:spPr>
+        <p:txBody>
+          <a:bodyPr spcFirstLastPara="1" wrap="square" lIns="91425" tIns="45700" rIns="91425" bIns="45700" anchor="t" anchorCtr="0">
+            <a:normAutofit/>
+          </a:bodyPr>
+          <a:lstStyle/>
+          <a:p>
+            <a:pPr marL="0" lvl="0" indent="0" algn="l" rtl="0">
+              <a:lnSpc>
+                <a:spcPct val="90000"/>
+              </a:lnSpc>
+              <a:spcBef>
+                <a:spcPts val="0"/>
+              </a:spcBef>
+              <a:spcAft>
+                <a:spcPts val="0"/>
+              </a:spcAft>
+              <a:buClr>
+                <a:srgbClr val="D8D8D8"/>
+              </a:buClr>
+              <a:buSzPts val="1800"/>
+              <a:buNone/>
+            </a:pPr>
+            <a:r>
+              <a:rPr lang="es-ES" sz="1800" i="1" dirty="0">
+                <a:solidFill>
+                  <a:srgbClr val="D8D8D8"/>
+                </a:solidFill>
+              </a:rPr>
               <a:t>Funcionamiento</a:t>
             </a:r>
             <a:endParaRPr dirty="0"/>
@@ -16443,7 +17074,7 @@
 </p:sld>
 </file>
 
-<file path=ppt/slides/slide15.xml><?xml version="1.0" encoding="utf-8"?>
+<file path=ppt/slides/slide16.xml><?xml version="1.0" encoding="utf-8"?>
 <p:sld xmlns:a="http://schemas.openxmlformats.org/drawingml/2006/main" xmlns:r="http://schemas.openxmlformats.org/officeDocument/2006/relationships" xmlns:p="http://schemas.openxmlformats.org/presentationml/2006/main">
   <p:cSld>
     <p:spTree>
@@ -16898,7 +17529,7 @@
 </p:sld>
 </file>
 
-<file path=ppt/slides/slide16.xml><?xml version="1.0" encoding="utf-8"?>
+<file path=ppt/slides/slide17.xml><?xml version="1.0" encoding="utf-8"?>
 <p:sld xmlns:a="http://schemas.openxmlformats.org/drawingml/2006/main" xmlns:r="http://schemas.openxmlformats.org/officeDocument/2006/relationships" xmlns:p="http://schemas.openxmlformats.org/presentationml/2006/main">
   <p:cSld>
     <p:spTree>
@@ -17279,7 +17910,7 @@
 </p:sld>
 </file>
 
-<file path=ppt/slides/slide17.xml><?xml version="1.0" encoding="utf-8"?>
+<file path=ppt/slides/slide18.xml><?xml version="1.0" encoding="utf-8"?>
 <p:sld xmlns:a="http://schemas.openxmlformats.org/drawingml/2006/main" xmlns:r="http://schemas.openxmlformats.org/officeDocument/2006/relationships" xmlns:p="http://schemas.openxmlformats.org/presentationml/2006/main">
   <p:cSld>
     <p:spTree>
@@ -17877,571 +18508,6 @@
     <p:extLst>
       <p:ext uri="{BB962C8B-B14F-4D97-AF65-F5344CB8AC3E}">
         <p14:creationId xmlns:p14="http://schemas.microsoft.com/office/powerpoint/2010/main" val="2938751729"/>
-      </p:ext>
-    </p:extLst>
-  </p:cSld>
-  <p:clrMapOvr>
-    <a:masterClrMapping/>
-  </p:clrMapOvr>
-</p:sld>
-</file>
-
-<file path=ppt/slides/slide18.xml><?xml version="1.0" encoding="utf-8"?>
-<p:sld xmlns:a="http://schemas.openxmlformats.org/drawingml/2006/main" xmlns:r="http://schemas.openxmlformats.org/officeDocument/2006/relationships" xmlns:p="http://schemas.openxmlformats.org/presentationml/2006/main">
-  <p:cSld>
-    <p:spTree>
-      <p:nvGrpSpPr>
-        <p:cNvPr id="1" name="Shape 99"/>
-        <p:cNvGrpSpPr/>
-        <p:nvPr/>
-      </p:nvGrpSpPr>
-      <p:grpSpPr>
-        <a:xfrm>
-          <a:off x="0" y="0"/>
-          <a:ext cx="0" cy="0"/>
-          <a:chOff x="0" y="0"/>
-          <a:chExt cx="0" cy="0"/>
-        </a:xfrm>
-      </p:grpSpPr>
-      <p:sp>
-        <p:nvSpPr>
-          <p:cNvPr id="100" name="Google Shape;100;p3"/>
-          <p:cNvSpPr txBox="1">
-            <a:spLocks noGrp="1"/>
-          </p:cNvSpPr>
-          <p:nvPr>
-            <p:ph type="title"/>
-          </p:nvPr>
-        </p:nvSpPr>
-        <p:spPr>
-          <a:xfrm>
-            <a:off x="716902" y="309142"/>
-            <a:ext cx="10515600" cy="1325563"/>
-          </a:xfrm>
-          <a:prstGeom prst="rect">
-            <a:avLst/>
-          </a:prstGeom>
-          <a:noFill/>
-          <a:ln>
-            <a:noFill/>
-          </a:ln>
-        </p:spPr>
-        <p:txBody>
-          <a:bodyPr spcFirstLastPara="1" wrap="square" lIns="91425" tIns="45700" rIns="91425" bIns="45700" anchor="ctr" anchorCtr="0">
-            <a:normAutofit/>
-          </a:bodyPr>
-          <a:lstStyle/>
-          <a:p>
-            <a:pPr marL="0" lvl="0" indent="0" algn="l" rtl="0">
-              <a:lnSpc>
-                <a:spcPct val="90000"/>
-              </a:lnSpc>
-              <a:spcBef>
-                <a:spcPts val="0"/>
-              </a:spcBef>
-              <a:spcAft>
-                <a:spcPts val="0"/>
-              </a:spcAft>
-              <a:buClr>
-                <a:schemeClr val="lt1"/>
-              </a:buClr>
-              <a:buSzPts val="4400"/>
-              <a:buFont typeface="Calibri"/>
-              <a:buNone/>
-            </a:pPr>
-            <a:r>
-              <a:rPr lang="es-ES" dirty="0"/>
-              <a:t>Delta Tables</a:t>
-            </a:r>
-            <a:endParaRPr dirty="0"/>
-          </a:p>
-        </p:txBody>
-      </p:sp>
-      <p:sp>
-        <p:nvSpPr>
-          <p:cNvPr id="101" name="Google Shape;101;p3"/>
-          <p:cNvSpPr txBox="1">
-            <a:spLocks noGrp="1"/>
-          </p:cNvSpPr>
-          <p:nvPr>
-            <p:ph type="body" idx="1"/>
-          </p:nvPr>
-        </p:nvSpPr>
-        <p:spPr>
-          <a:xfrm>
-            <a:off x="716902" y="1283082"/>
-            <a:ext cx="5487955" cy="479036"/>
-          </a:xfrm>
-          <a:prstGeom prst="rect">
-            <a:avLst/>
-          </a:prstGeom>
-          <a:noFill/>
-          <a:ln>
-            <a:noFill/>
-          </a:ln>
-        </p:spPr>
-        <p:txBody>
-          <a:bodyPr spcFirstLastPara="1" wrap="square" lIns="91425" tIns="45700" rIns="91425" bIns="45700" anchor="t" anchorCtr="0">
-            <a:normAutofit/>
-          </a:bodyPr>
-          <a:lstStyle/>
-          <a:p>
-            <a:pPr marL="0" lvl="0" indent="0" algn="l" rtl="0">
-              <a:lnSpc>
-                <a:spcPct val="90000"/>
-              </a:lnSpc>
-              <a:spcBef>
-                <a:spcPts val="0"/>
-              </a:spcBef>
-              <a:spcAft>
-                <a:spcPts val="0"/>
-              </a:spcAft>
-              <a:buClr>
-                <a:srgbClr val="D8D8D8"/>
-              </a:buClr>
-              <a:buSzPts val="1800"/>
-              <a:buNone/>
-            </a:pPr>
-            <a:endParaRPr dirty="0"/>
-          </a:p>
-        </p:txBody>
-      </p:sp>
-      <p:sp>
-        <p:nvSpPr>
-          <p:cNvPr id="102" name="Google Shape;102;p3"/>
-          <p:cNvSpPr/>
-          <p:nvPr/>
-        </p:nvSpPr>
-        <p:spPr>
-          <a:xfrm>
-            <a:off x="497691" y="763312"/>
-            <a:ext cx="90138" cy="654341"/>
-          </a:xfrm>
-          <a:prstGeom prst="rect">
-            <a:avLst/>
-          </a:prstGeom>
-          <a:solidFill>
-            <a:srgbClr val="C00000"/>
-          </a:solidFill>
-          <a:ln>
-            <a:noFill/>
-          </a:ln>
-        </p:spPr>
-        <p:txBody>
-          <a:bodyPr spcFirstLastPara="1" wrap="square" lIns="91425" tIns="45700" rIns="91425" bIns="45700" anchor="ctr" anchorCtr="0">
-            <a:noAutofit/>
-          </a:bodyPr>
-          <a:lstStyle/>
-          <a:p>
-            <a:pPr marL="0" marR="0" lvl="0" indent="0" algn="ctr" rtl="0">
-              <a:spcBef>
-                <a:spcPts val="0"/>
-              </a:spcBef>
-              <a:spcAft>
-                <a:spcPts val="0"/>
-              </a:spcAft>
-              <a:buNone/>
-            </a:pPr>
-            <a:endParaRPr sz="1800" b="0" i="0" u="none" strike="noStrike" cap="none">
-              <a:solidFill>
-                <a:schemeClr val="lt1"/>
-              </a:solidFill>
-              <a:latin typeface="Calibri"/>
-              <a:ea typeface="Calibri"/>
-              <a:cs typeface="Calibri"/>
-              <a:sym typeface="Calibri"/>
-            </a:endParaRPr>
-          </a:p>
-        </p:txBody>
-      </p:sp>
-      <p:pic>
-        <p:nvPicPr>
-          <p:cNvPr id="5124" name="Picture 4" descr="Comparing Databricks to Apache Spark - Databricks">
-            <a:extLst>
-              <a:ext uri="{FF2B5EF4-FFF2-40B4-BE49-F238E27FC236}">
-                <a16:creationId xmlns:a16="http://schemas.microsoft.com/office/drawing/2014/main" id="{F41683CF-704A-4AFF-89FA-F5DBAE84E2ED}"/>
-              </a:ext>
-            </a:extLst>
-          </p:cNvPr>
-          <p:cNvPicPr>
-            <a:picLocks noChangeAspect="1" noChangeArrowheads="1"/>
-          </p:cNvPicPr>
-          <p:nvPr/>
-        </p:nvPicPr>
-        <p:blipFill>
-          <a:blip r:embed="rId3">
-            <a:extLst>
-              <a:ext uri="{28A0092B-C50C-407E-A947-70E740481C1C}">
-                <a14:useLocalDpi xmlns:a14="http://schemas.microsoft.com/office/drawing/2010/main" val="0"/>
-              </a:ext>
-            </a:extLst>
-          </a:blip>
-          <a:srcRect/>
-          <a:stretch>
-            <a:fillRect/>
-          </a:stretch>
-        </p:blipFill>
-        <p:spPr bwMode="auto">
-          <a:xfrm>
-            <a:off x="9896474" y="538535"/>
-            <a:ext cx="1666875" cy="866775"/>
-          </a:xfrm>
-          <a:prstGeom prst="rect">
-            <a:avLst/>
-          </a:prstGeom>
-          <a:noFill/>
-          <a:extLst>
-            <a:ext uri="{909E8E84-426E-40DD-AFC4-6F175D3DCCD1}">
-              <a14:hiddenFill xmlns:a14="http://schemas.microsoft.com/office/drawing/2010/main">
-                <a:solidFill>
-                  <a:srgbClr val="FFFFFF"/>
-                </a:solidFill>
-              </a14:hiddenFill>
-            </a:ext>
-          </a:extLst>
-        </p:spPr>
-      </p:pic>
-      <p:sp>
-        <p:nvSpPr>
-          <p:cNvPr id="3" name="CuadroTexto 2">
-            <a:extLst>
-              <a:ext uri="{FF2B5EF4-FFF2-40B4-BE49-F238E27FC236}">
-                <a16:creationId xmlns:a16="http://schemas.microsoft.com/office/drawing/2014/main" id="{784167DB-AEB3-4CDB-A80D-DE4F200E6414}"/>
-              </a:ext>
-            </a:extLst>
-          </p:cNvPr>
-          <p:cNvSpPr txBox="1"/>
-          <p:nvPr/>
-        </p:nvSpPr>
-        <p:spPr>
-          <a:xfrm>
-            <a:off x="689373" y="1916146"/>
-            <a:ext cx="2968227" cy="1415772"/>
-          </a:xfrm>
-          <a:prstGeom prst="rect">
-            <a:avLst/>
-          </a:prstGeom>
-          <a:noFill/>
-        </p:spPr>
-        <p:txBody>
-          <a:bodyPr wrap="square" rtlCol="0">
-            <a:spAutoFit/>
-          </a:bodyPr>
-          <a:lstStyle/>
-          <a:p>
-            <a:r>
-              <a:rPr lang="es-ES" sz="1600" b="1" dirty="0">
-                <a:solidFill>
-                  <a:schemeClr val="bg1"/>
-                </a:solidFill>
-              </a:rPr>
-              <a:t>Definición</a:t>
-            </a:r>
-          </a:p>
-          <a:p>
-            <a:r>
-              <a:rPr lang="es-ES" dirty="0">
-                <a:solidFill>
-                  <a:schemeClr val="bg1"/>
-                </a:solidFill>
-              </a:rPr>
-              <a:t>Un RDD, según </a:t>
-            </a:r>
-            <a:r>
-              <a:rPr lang="es-ES" dirty="0" err="1">
-                <a:solidFill>
-                  <a:schemeClr val="bg1"/>
-                </a:solidFill>
-              </a:rPr>
-              <a:t>Spark</a:t>
-            </a:r>
-            <a:r>
-              <a:rPr lang="es-ES" dirty="0">
-                <a:solidFill>
-                  <a:schemeClr val="bg1"/>
-                </a:solidFill>
-              </a:rPr>
-              <a:t>, se define como una </a:t>
-            </a:r>
-            <a:r>
-              <a:rPr lang="es-ES" b="1" dirty="0">
-                <a:solidFill>
-                  <a:schemeClr val="bg1"/>
-                </a:solidFill>
-              </a:rPr>
-              <a:t>colección de elementos </a:t>
-            </a:r>
-            <a:r>
-              <a:rPr lang="es-ES" dirty="0">
-                <a:solidFill>
-                  <a:schemeClr val="bg1"/>
-                </a:solidFill>
-              </a:rPr>
-              <a:t>que es tolerante a fallos y que es capaz de </a:t>
-            </a:r>
-            <a:r>
-              <a:rPr lang="es-ES" b="1" dirty="0">
-                <a:solidFill>
-                  <a:schemeClr val="bg1"/>
-                </a:solidFill>
-              </a:rPr>
-              <a:t>operar en paralelo</a:t>
-            </a:r>
-            <a:r>
-              <a:rPr lang="es-ES" dirty="0">
-                <a:solidFill>
-                  <a:schemeClr val="bg1"/>
-                </a:solidFill>
-              </a:rPr>
-              <a:t>.</a:t>
-            </a:r>
-          </a:p>
-        </p:txBody>
-      </p:sp>
-      <p:pic>
-        <p:nvPicPr>
-          <p:cNvPr id="1026" name="Picture 2" descr="datos apache spark big data">
-            <a:extLst>
-              <a:ext uri="{FF2B5EF4-FFF2-40B4-BE49-F238E27FC236}">
-                <a16:creationId xmlns:a16="http://schemas.microsoft.com/office/drawing/2014/main" id="{4FD9B08F-0788-4084-E166-6371F6DC3D19}"/>
-              </a:ext>
-            </a:extLst>
-          </p:cNvPr>
-          <p:cNvPicPr>
-            <a:picLocks noChangeAspect="1" noChangeArrowheads="1"/>
-          </p:cNvPicPr>
-          <p:nvPr/>
-        </p:nvPicPr>
-        <p:blipFill rotWithShape="1">
-          <a:blip r:embed="rId4">
-            <a:extLst>
-              <a:ext uri="{28A0092B-C50C-407E-A947-70E740481C1C}">
-                <a14:useLocalDpi xmlns:a14="http://schemas.microsoft.com/office/drawing/2010/main" val="0"/>
-              </a:ext>
-            </a:extLst>
-          </a:blip>
-          <a:srcRect t="-1" b="4181"/>
-          <a:stretch/>
-        </p:blipFill>
-        <p:spPr bwMode="auto">
-          <a:xfrm>
-            <a:off x="4227895" y="2495901"/>
-            <a:ext cx="4103972" cy="2215261"/>
-          </a:xfrm>
-          <a:prstGeom prst="rect">
-            <a:avLst/>
-          </a:prstGeom>
-          <a:noFill/>
-          <a:extLst>
-            <a:ext uri="{909E8E84-426E-40DD-AFC4-6F175D3DCCD1}">
-              <a14:hiddenFill xmlns:a14="http://schemas.microsoft.com/office/drawing/2010/main">
-                <a:solidFill>
-                  <a:srgbClr val="FFFFFF"/>
-                </a:solidFill>
-              </a14:hiddenFill>
-            </a:ext>
-          </a:extLst>
-        </p:spPr>
-      </p:pic>
-      <p:sp>
-        <p:nvSpPr>
-          <p:cNvPr id="11" name="CuadroTexto 10">
-            <a:extLst>
-              <a:ext uri="{FF2B5EF4-FFF2-40B4-BE49-F238E27FC236}">
-                <a16:creationId xmlns:a16="http://schemas.microsoft.com/office/drawing/2014/main" id="{6FF6719B-3625-1D83-3211-4992FA91960B}"/>
-              </a:ext>
-            </a:extLst>
-          </p:cNvPr>
-          <p:cNvSpPr txBox="1"/>
-          <p:nvPr/>
-        </p:nvSpPr>
-        <p:spPr>
-          <a:xfrm>
-            <a:off x="877078" y="4409802"/>
-            <a:ext cx="2968227" cy="1631216"/>
-          </a:xfrm>
-          <a:prstGeom prst="rect">
-            <a:avLst/>
-          </a:prstGeom>
-          <a:noFill/>
-        </p:spPr>
-        <p:txBody>
-          <a:bodyPr wrap="square" rtlCol="0">
-            <a:spAutoFit/>
-          </a:bodyPr>
-          <a:lstStyle/>
-          <a:p>
-            <a:r>
-              <a:rPr lang="es-ES" sz="1600" b="1" dirty="0">
-                <a:solidFill>
-                  <a:schemeClr val="bg1"/>
-                </a:solidFill>
-              </a:rPr>
-              <a:t>Tolerante a fallos</a:t>
-            </a:r>
-          </a:p>
-          <a:p>
-            <a:r>
-              <a:rPr lang="es-ES" dirty="0">
-                <a:solidFill>
-                  <a:schemeClr val="bg1"/>
-                </a:solidFill>
-              </a:rPr>
-              <a:t>Esto es debido a que, al ser capaces de </a:t>
-            </a:r>
-            <a:r>
-              <a:rPr lang="es-ES" b="1" dirty="0">
-                <a:solidFill>
-                  <a:schemeClr val="bg1"/>
-                </a:solidFill>
-              </a:rPr>
-              <a:t>operar en paralelo</a:t>
-            </a:r>
-            <a:r>
-              <a:rPr lang="es-ES" dirty="0">
-                <a:solidFill>
-                  <a:schemeClr val="bg1"/>
-                </a:solidFill>
-              </a:rPr>
-              <a:t>, la información está guardada en diferentes nodos del clúster, por lo que si se pierde en uno, podrá recuperarlo desde otro.</a:t>
-            </a:r>
-          </a:p>
-        </p:txBody>
-      </p:sp>
-      <p:sp>
-        <p:nvSpPr>
-          <p:cNvPr id="12" name="CuadroTexto 11">
-            <a:extLst>
-              <a:ext uri="{FF2B5EF4-FFF2-40B4-BE49-F238E27FC236}">
-                <a16:creationId xmlns:a16="http://schemas.microsoft.com/office/drawing/2014/main" id="{763BEE6A-1F7B-1D6F-657F-1DD6C6117C13}"/>
-              </a:ext>
-            </a:extLst>
-          </p:cNvPr>
-          <p:cNvSpPr txBox="1"/>
-          <p:nvPr/>
-        </p:nvSpPr>
-        <p:spPr>
-          <a:xfrm>
-            <a:off x="8960283" y="2403202"/>
-            <a:ext cx="2968227" cy="1200329"/>
-          </a:xfrm>
-          <a:prstGeom prst="rect">
-            <a:avLst/>
-          </a:prstGeom>
-          <a:noFill/>
-        </p:spPr>
-        <p:txBody>
-          <a:bodyPr wrap="square" rtlCol="0">
-            <a:spAutoFit/>
-          </a:bodyPr>
-          <a:lstStyle/>
-          <a:p>
-            <a:r>
-              <a:rPr lang="es-ES" sz="1600" b="1" dirty="0">
-                <a:solidFill>
-                  <a:schemeClr val="bg1"/>
-                </a:solidFill>
-              </a:rPr>
-              <a:t>No son mutables</a:t>
-            </a:r>
-          </a:p>
-          <a:p>
-            <a:r>
-              <a:rPr lang="es-ES" dirty="0">
-                <a:solidFill>
-                  <a:schemeClr val="bg1"/>
-                </a:solidFill>
-              </a:rPr>
-              <a:t>Si deseamos realizar una operación sobre un RDD, tendremos obligatoriamente que generar uno nuevo</a:t>
-            </a:r>
-          </a:p>
-        </p:txBody>
-      </p:sp>
-      <p:sp>
-        <p:nvSpPr>
-          <p:cNvPr id="13" name="CuadroTexto 12">
-            <a:extLst>
-              <a:ext uri="{FF2B5EF4-FFF2-40B4-BE49-F238E27FC236}">
-                <a16:creationId xmlns:a16="http://schemas.microsoft.com/office/drawing/2014/main" id="{880523E1-FCCA-F829-0613-5BF124C6EB3B}"/>
-              </a:ext>
-            </a:extLst>
-          </p:cNvPr>
-          <p:cNvSpPr txBox="1"/>
-          <p:nvPr/>
-        </p:nvSpPr>
-        <p:spPr>
-          <a:xfrm>
-            <a:off x="8970372" y="4235301"/>
-            <a:ext cx="2968227" cy="1661993"/>
-          </a:xfrm>
-          <a:prstGeom prst="rect">
-            <a:avLst/>
-          </a:prstGeom>
-          <a:noFill/>
-        </p:spPr>
-        <p:txBody>
-          <a:bodyPr wrap="square" rtlCol="0">
-            <a:spAutoFit/>
-          </a:bodyPr>
-          <a:lstStyle/>
-          <a:p>
-            <a:r>
-              <a:rPr lang="es-ES" sz="1600" b="1" dirty="0">
-                <a:solidFill>
-                  <a:schemeClr val="bg1"/>
-                </a:solidFill>
-              </a:rPr>
-              <a:t>Se crean desde archivos de Hadoop (HFDS)</a:t>
-            </a:r>
-          </a:p>
-          <a:p>
-            <a:r>
-              <a:rPr lang="es-ES" dirty="0">
-                <a:solidFill>
-                  <a:schemeClr val="bg1"/>
-                </a:solidFill>
-              </a:rPr>
-              <a:t>aunque esto no impide que, por ejemplo, creemos un RDD a través de archivos con otra extensión como un. </a:t>
-            </a:r>
-            <a:r>
-              <a:rPr lang="es-ES" dirty="0" err="1">
-                <a:solidFill>
-                  <a:schemeClr val="bg1"/>
-                </a:solidFill>
-              </a:rPr>
-              <a:t>json</a:t>
-            </a:r>
-            <a:r>
-              <a:rPr lang="es-ES" dirty="0">
-                <a:solidFill>
-                  <a:schemeClr val="bg1"/>
-                </a:solidFill>
-              </a:rPr>
-              <a:t> o .</a:t>
-            </a:r>
-            <a:r>
-              <a:rPr lang="es-ES" dirty="0" err="1">
-                <a:solidFill>
-                  <a:schemeClr val="bg1"/>
-                </a:solidFill>
-              </a:rPr>
-              <a:t>csv</a:t>
-            </a:r>
-            <a:r>
-              <a:rPr lang="es-ES" dirty="0">
-                <a:solidFill>
-                  <a:schemeClr val="bg1"/>
-                </a:solidFill>
-              </a:rPr>
-              <a:t>, previamente subidos a HDFS</a:t>
-            </a:r>
-          </a:p>
-        </p:txBody>
-      </p:sp>
-    </p:spTree>
-    <p:extLst>
-      <p:ext uri="{BB962C8B-B14F-4D97-AF65-F5344CB8AC3E}">
-        <p14:creationId xmlns:p14="http://schemas.microsoft.com/office/powerpoint/2010/main" val="4028679497"/>
       </p:ext>
     </p:extLst>
   </p:cSld>
@@ -18825,6 +18891,601 @@
         </p:txBody>
       </p:sp>
     </p:spTree>
+  </p:cSld>
+  <p:clrMapOvr>
+    <a:masterClrMapping/>
+  </p:clrMapOvr>
+</p:sld>
+</file>
+
+<file path=ppt/slides/slide20.xml><?xml version="1.0" encoding="utf-8"?>
+<p:sld xmlns:a="http://schemas.openxmlformats.org/drawingml/2006/main" xmlns:r="http://schemas.openxmlformats.org/officeDocument/2006/relationships" xmlns:p="http://schemas.openxmlformats.org/presentationml/2006/main">
+  <p:cSld>
+    <p:spTree>
+      <p:nvGrpSpPr>
+        <p:cNvPr id="1" name="Shape 99"/>
+        <p:cNvGrpSpPr/>
+        <p:nvPr/>
+      </p:nvGrpSpPr>
+      <p:grpSpPr>
+        <a:xfrm>
+          <a:off x="0" y="0"/>
+          <a:ext cx="0" cy="0"/>
+          <a:chOff x="0" y="0"/>
+          <a:chExt cx="0" cy="0"/>
+        </a:xfrm>
+      </p:grpSpPr>
+      <p:sp>
+        <p:nvSpPr>
+          <p:cNvPr id="100" name="Google Shape;100;p3"/>
+          <p:cNvSpPr txBox="1">
+            <a:spLocks noGrp="1"/>
+          </p:cNvSpPr>
+          <p:nvPr>
+            <p:ph type="title"/>
+          </p:nvPr>
+        </p:nvSpPr>
+        <p:spPr>
+          <a:xfrm>
+            <a:off x="716902" y="309142"/>
+            <a:ext cx="10515600" cy="1325563"/>
+          </a:xfrm>
+          <a:prstGeom prst="rect">
+            <a:avLst/>
+          </a:prstGeom>
+          <a:noFill/>
+          <a:ln>
+            <a:noFill/>
+          </a:ln>
+        </p:spPr>
+        <p:txBody>
+          <a:bodyPr spcFirstLastPara="1" wrap="square" lIns="91425" tIns="45700" rIns="91425" bIns="45700" anchor="ctr" anchorCtr="0">
+            <a:normAutofit/>
+          </a:bodyPr>
+          <a:lstStyle/>
+          <a:p>
+            <a:pPr marL="0" lvl="0" indent="0" algn="l" rtl="0">
+              <a:lnSpc>
+                <a:spcPct val="90000"/>
+              </a:lnSpc>
+              <a:spcBef>
+                <a:spcPts val="0"/>
+              </a:spcBef>
+              <a:spcAft>
+                <a:spcPts val="0"/>
+              </a:spcAft>
+              <a:buClr>
+                <a:schemeClr val="lt1"/>
+              </a:buClr>
+              <a:buSzPts val="4400"/>
+              <a:buFont typeface="Calibri"/>
+              <a:buNone/>
+            </a:pPr>
+            <a:r>
+              <a:rPr lang="es-ES" dirty="0"/>
+              <a:t>Delta </a:t>
+            </a:r>
+            <a:r>
+              <a:rPr lang="es-ES" dirty="0" err="1"/>
+              <a:t>Lakes</a:t>
+            </a:r>
+            <a:r>
+              <a:rPr lang="es-ES" dirty="0"/>
+              <a:t> </a:t>
+            </a:r>
+            <a:r>
+              <a:rPr lang="es-ES" sz="1600" dirty="0"/>
+              <a:t>(no Data </a:t>
+            </a:r>
+            <a:r>
+              <a:rPr lang="es-ES" sz="1600" dirty="0" err="1"/>
+              <a:t>Lakes</a:t>
+            </a:r>
+            <a:r>
+              <a:rPr lang="es-ES" sz="1600" dirty="0"/>
+              <a:t>)</a:t>
+            </a:r>
+            <a:endParaRPr dirty="0"/>
+          </a:p>
+        </p:txBody>
+      </p:sp>
+      <p:sp>
+        <p:nvSpPr>
+          <p:cNvPr id="102" name="Google Shape;102;p3"/>
+          <p:cNvSpPr/>
+          <p:nvPr/>
+        </p:nvSpPr>
+        <p:spPr>
+          <a:xfrm>
+            <a:off x="497691" y="763312"/>
+            <a:ext cx="90138" cy="654341"/>
+          </a:xfrm>
+          <a:prstGeom prst="rect">
+            <a:avLst/>
+          </a:prstGeom>
+          <a:solidFill>
+            <a:srgbClr val="C00000"/>
+          </a:solidFill>
+          <a:ln>
+            <a:noFill/>
+          </a:ln>
+        </p:spPr>
+        <p:txBody>
+          <a:bodyPr spcFirstLastPara="1" wrap="square" lIns="91425" tIns="45700" rIns="91425" bIns="45700" anchor="ctr" anchorCtr="0">
+            <a:noAutofit/>
+          </a:bodyPr>
+          <a:lstStyle/>
+          <a:p>
+            <a:pPr marL="0" marR="0" lvl="0" indent="0" algn="ctr" rtl="0">
+              <a:spcBef>
+                <a:spcPts val="0"/>
+              </a:spcBef>
+              <a:spcAft>
+                <a:spcPts val="0"/>
+              </a:spcAft>
+              <a:buNone/>
+            </a:pPr>
+            <a:endParaRPr sz="1800" b="0" i="0" u="none" strike="noStrike" cap="none">
+              <a:solidFill>
+                <a:schemeClr val="lt1"/>
+              </a:solidFill>
+              <a:latin typeface="Calibri"/>
+              <a:ea typeface="Calibri"/>
+              <a:cs typeface="Calibri"/>
+              <a:sym typeface="Calibri"/>
+            </a:endParaRPr>
+          </a:p>
+        </p:txBody>
+      </p:sp>
+      <p:pic>
+        <p:nvPicPr>
+          <p:cNvPr id="5124" name="Picture 4" descr="Comparing Databricks to Apache Spark - Databricks">
+            <a:extLst>
+              <a:ext uri="{FF2B5EF4-FFF2-40B4-BE49-F238E27FC236}">
+                <a16:creationId xmlns:a16="http://schemas.microsoft.com/office/drawing/2014/main" id="{F41683CF-704A-4AFF-89FA-F5DBAE84E2ED}"/>
+              </a:ext>
+            </a:extLst>
+          </p:cNvPr>
+          <p:cNvPicPr>
+            <a:picLocks noChangeAspect="1" noChangeArrowheads="1"/>
+          </p:cNvPicPr>
+          <p:nvPr/>
+        </p:nvPicPr>
+        <p:blipFill>
+          <a:blip r:embed="rId3">
+            <a:extLst>
+              <a:ext uri="{28A0092B-C50C-407E-A947-70E740481C1C}">
+                <a14:useLocalDpi xmlns:a14="http://schemas.microsoft.com/office/drawing/2010/main" val="0"/>
+              </a:ext>
+            </a:extLst>
+          </a:blip>
+          <a:srcRect/>
+          <a:stretch>
+            <a:fillRect/>
+          </a:stretch>
+        </p:blipFill>
+        <p:spPr bwMode="auto">
+          <a:xfrm>
+            <a:off x="9896474" y="538535"/>
+            <a:ext cx="1666875" cy="866775"/>
+          </a:xfrm>
+          <a:prstGeom prst="rect">
+            <a:avLst/>
+          </a:prstGeom>
+          <a:noFill/>
+          <a:extLst>
+            <a:ext uri="{909E8E84-426E-40DD-AFC4-6F175D3DCCD1}">
+              <a14:hiddenFill xmlns:a14="http://schemas.microsoft.com/office/drawing/2010/main">
+                <a:solidFill>
+                  <a:srgbClr val="FFFFFF"/>
+                </a:solidFill>
+              </a14:hiddenFill>
+            </a:ext>
+          </a:extLst>
+        </p:spPr>
+      </p:pic>
+      <p:sp>
+        <p:nvSpPr>
+          <p:cNvPr id="11" name="CuadroTexto 10">
+            <a:extLst>
+              <a:ext uri="{FF2B5EF4-FFF2-40B4-BE49-F238E27FC236}">
+                <a16:creationId xmlns:a16="http://schemas.microsoft.com/office/drawing/2014/main" id="{6FF6719B-3625-1D83-3211-4992FA91960B}"/>
+              </a:ext>
+            </a:extLst>
+          </p:cNvPr>
+          <p:cNvSpPr txBox="1"/>
+          <p:nvPr/>
+        </p:nvSpPr>
+        <p:spPr>
+          <a:xfrm>
+            <a:off x="855599" y="4055527"/>
+            <a:ext cx="2968227" cy="738664"/>
+          </a:xfrm>
+          <a:prstGeom prst="rect">
+            <a:avLst/>
+          </a:prstGeom>
+          <a:noFill/>
+        </p:spPr>
+        <p:txBody>
+          <a:bodyPr wrap="square" rtlCol="0">
+            <a:spAutoFit/>
+          </a:bodyPr>
+          <a:lstStyle/>
+          <a:p>
+            <a:r>
+              <a:rPr lang="es-ES" dirty="0">
+                <a:solidFill>
+                  <a:schemeClr val="bg1"/>
+                </a:solidFill>
+              </a:rPr>
+              <a:t>Transacciones ACID en </a:t>
+            </a:r>
+            <a:r>
+              <a:rPr lang="es-ES" dirty="0" err="1">
+                <a:solidFill>
+                  <a:schemeClr val="bg1"/>
+                </a:solidFill>
+              </a:rPr>
+              <a:t>Spark</a:t>
+            </a:r>
+            <a:r>
+              <a:rPr lang="es-ES" dirty="0">
+                <a:solidFill>
+                  <a:schemeClr val="bg1"/>
+                </a:solidFill>
+              </a:rPr>
+              <a:t>: garantizan que los lectores nunca vean datos incoherentes.</a:t>
+            </a:r>
+          </a:p>
+        </p:txBody>
+      </p:sp>
+      <p:sp>
+        <p:nvSpPr>
+          <p:cNvPr id="12" name="CuadroTexto 11">
+            <a:extLst>
+              <a:ext uri="{FF2B5EF4-FFF2-40B4-BE49-F238E27FC236}">
+                <a16:creationId xmlns:a16="http://schemas.microsoft.com/office/drawing/2014/main" id="{763BEE6A-1F7B-1D6F-657F-1DD6C6117C13}"/>
+              </a:ext>
+            </a:extLst>
+          </p:cNvPr>
+          <p:cNvSpPr txBox="1"/>
+          <p:nvPr/>
+        </p:nvSpPr>
+        <p:spPr>
+          <a:xfrm>
+            <a:off x="4611883" y="4055527"/>
+            <a:ext cx="3048550" cy="307777"/>
+          </a:xfrm>
+          <a:prstGeom prst="rect">
+            <a:avLst/>
+          </a:prstGeom>
+          <a:noFill/>
+        </p:spPr>
+        <p:txBody>
+          <a:bodyPr wrap="square" rtlCol="0">
+            <a:spAutoFit/>
+          </a:bodyPr>
+          <a:lstStyle/>
+          <a:p>
+            <a:r>
+              <a:rPr lang="es-ES" dirty="0">
+                <a:solidFill>
+                  <a:schemeClr val="bg1"/>
+                </a:solidFill>
+              </a:rPr>
+              <a:t>Control escalable de los metadatos.</a:t>
+            </a:r>
+          </a:p>
+        </p:txBody>
+      </p:sp>
+      <p:sp>
+        <p:nvSpPr>
+          <p:cNvPr id="13" name="CuadroTexto 12">
+            <a:extLst>
+              <a:ext uri="{FF2B5EF4-FFF2-40B4-BE49-F238E27FC236}">
+                <a16:creationId xmlns:a16="http://schemas.microsoft.com/office/drawing/2014/main" id="{880523E1-FCCA-F829-0613-5BF124C6EB3B}"/>
+              </a:ext>
+            </a:extLst>
+          </p:cNvPr>
+          <p:cNvSpPr txBox="1"/>
+          <p:nvPr/>
+        </p:nvSpPr>
+        <p:spPr>
+          <a:xfrm>
+            <a:off x="8282643" y="4055527"/>
+            <a:ext cx="2968227" cy="1815882"/>
+          </a:xfrm>
+          <a:prstGeom prst="rect">
+            <a:avLst/>
+          </a:prstGeom>
+          <a:noFill/>
+        </p:spPr>
+        <p:txBody>
+          <a:bodyPr wrap="square" rtlCol="0">
+            <a:spAutoFit/>
+          </a:bodyPr>
+          <a:lstStyle/>
+          <a:p>
+            <a:r>
+              <a:rPr lang="es-ES" dirty="0">
+                <a:solidFill>
+                  <a:schemeClr val="bg1"/>
+                </a:solidFill>
+              </a:rPr>
+              <a:t>Unificación de </a:t>
+            </a:r>
+            <a:r>
+              <a:rPr lang="es-ES" dirty="0" err="1">
+                <a:solidFill>
+                  <a:schemeClr val="bg1"/>
+                </a:solidFill>
+              </a:rPr>
+              <a:t>streaming</a:t>
+            </a:r>
+            <a:r>
+              <a:rPr lang="es-ES" dirty="0">
+                <a:solidFill>
+                  <a:schemeClr val="bg1"/>
+                </a:solidFill>
+              </a:rPr>
+              <a:t> y lotes: una tabla en Delta Lake es una tabla de lotes, así como un origen y un receptor de </a:t>
+            </a:r>
+            <a:r>
+              <a:rPr lang="es-ES" dirty="0" err="1">
+                <a:solidFill>
+                  <a:schemeClr val="bg1"/>
+                </a:solidFill>
+              </a:rPr>
+              <a:t>streaming</a:t>
+            </a:r>
+            <a:r>
+              <a:rPr lang="es-ES" dirty="0">
+                <a:solidFill>
+                  <a:schemeClr val="bg1"/>
+                </a:solidFill>
+              </a:rPr>
+              <a:t>. La ingesta de datos de </a:t>
+            </a:r>
+            <a:r>
+              <a:rPr lang="es-ES" dirty="0" err="1">
+                <a:solidFill>
+                  <a:schemeClr val="bg1"/>
+                </a:solidFill>
+              </a:rPr>
+              <a:t>streaming</a:t>
+            </a:r>
+            <a:r>
+              <a:rPr lang="es-ES" dirty="0">
+                <a:solidFill>
+                  <a:schemeClr val="bg1"/>
+                </a:solidFill>
+              </a:rPr>
+              <a:t>, la reposición histórica de lotes y las consultas interactivas funcionan de manera integral.</a:t>
+            </a:r>
+          </a:p>
+        </p:txBody>
+      </p:sp>
+      <p:sp>
+        <p:nvSpPr>
+          <p:cNvPr id="14" name="CuadroTexto 13">
+            <a:extLst>
+              <a:ext uri="{FF2B5EF4-FFF2-40B4-BE49-F238E27FC236}">
+                <a16:creationId xmlns:a16="http://schemas.microsoft.com/office/drawing/2014/main" id="{D167ECBE-76F8-FECB-7B8B-466851D64EAF}"/>
+              </a:ext>
+            </a:extLst>
+          </p:cNvPr>
+          <p:cNvSpPr txBox="1"/>
+          <p:nvPr/>
+        </p:nvSpPr>
+        <p:spPr>
+          <a:xfrm>
+            <a:off x="2109602" y="2146980"/>
+            <a:ext cx="7972795" cy="1477328"/>
+          </a:xfrm>
+          <a:prstGeom prst="rect">
+            <a:avLst/>
+          </a:prstGeom>
+          <a:noFill/>
+        </p:spPr>
+        <p:txBody>
+          <a:bodyPr wrap="square" rtlCol="0">
+            <a:spAutoFit/>
+          </a:bodyPr>
+          <a:lstStyle/>
+          <a:p>
+            <a:pPr algn="ctr"/>
+            <a:r>
+              <a:rPr lang="es-ES" sz="1800" i="1" dirty="0">
+                <a:solidFill>
+                  <a:schemeClr val="bg1"/>
+                </a:solidFill>
+                <a:latin typeface="+mj-lt"/>
+              </a:rPr>
+              <a:t>“</a:t>
+            </a:r>
+            <a:r>
+              <a:rPr lang="es-ES" sz="1800" i="1" dirty="0">
+                <a:solidFill>
+                  <a:schemeClr val="bg1"/>
+                </a:solidFill>
+                <a:effectLst/>
+                <a:latin typeface="+mj-lt"/>
+              </a:rPr>
+              <a:t>Delta Lake es un proyecto de código abierto que permite crear una arquitectura de </a:t>
+            </a:r>
+            <a:r>
+              <a:rPr lang="es-ES" sz="1800" i="1" dirty="0" err="1">
+                <a:solidFill>
+                  <a:schemeClr val="bg1"/>
+                </a:solidFill>
+                <a:effectLst/>
+                <a:latin typeface="+mj-lt"/>
+              </a:rPr>
+              <a:t>Lakehouse</a:t>
+            </a:r>
+            <a:r>
+              <a:rPr lang="es-ES" sz="1800" i="1" dirty="0">
+                <a:solidFill>
+                  <a:schemeClr val="bg1"/>
+                </a:solidFill>
+                <a:effectLst/>
+                <a:latin typeface="+mj-lt"/>
+              </a:rPr>
+              <a:t> sobre Data </a:t>
+            </a:r>
+            <a:r>
+              <a:rPr lang="es-ES" sz="1800" i="1" dirty="0" err="1">
+                <a:solidFill>
+                  <a:schemeClr val="bg1"/>
+                </a:solidFill>
+                <a:effectLst/>
+                <a:latin typeface="+mj-lt"/>
+              </a:rPr>
+              <a:t>Lakes</a:t>
+            </a:r>
+            <a:r>
+              <a:rPr lang="es-ES" sz="1800" i="1" dirty="0">
+                <a:solidFill>
+                  <a:schemeClr val="bg1"/>
+                </a:solidFill>
+                <a:effectLst/>
+                <a:latin typeface="+mj-lt"/>
+              </a:rPr>
+              <a:t>. Delta Lake proporciona transacciones ACID y control escalable de metadatos, y unifica el procesamiento de datos de </a:t>
+            </a:r>
+            <a:r>
+              <a:rPr lang="es-ES" sz="1800" i="1" dirty="0" err="1">
+                <a:solidFill>
+                  <a:schemeClr val="bg1"/>
+                </a:solidFill>
+                <a:effectLst/>
+                <a:latin typeface="+mj-lt"/>
+              </a:rPr>
+              <a:t>streaming</a:t>
+            </a:r>
+            <a:r>
+              <a:rPr lang="es-ES" sz="1800" i="1" dirty="0">
+                <a:solidFill>
+                  <a:schemeClr val="bg1"/>
+                </a:solidFill>
+                <a:effectLst/>
+                <a:latin typeface="+mj-lt"/>
+              </a:rPr>
+              <a:t> y por lotes en los Data </a:t>
+            </a:r>
+            <a:r>
+              <a:rPr lang="es-ES" sz="1800" i="1" dirty="0" err="1">
+                <a:solidFill>
+                  <a:schemeClr val="bg1"/>
+                </a:solidFill>
+                <a:effectLst/>
+                <a:latin typeface="+mj-lt"/>
+              </a:rPr>
+              <a:t>Lakes</a:t>
+            </a:r>
+            <a:r>
+              <a:rPr lang="es-ES" sz="1800" i="1" dirty="0">
+                <a:solidFill>
+                  <a:schemeClr val="bg1"/>
+                </a:solidFill>
+                <a:effectLst/>
+                <a:latin typeface="+mj-lt"/>
+              </a:rPr>
+              <a:t> ya existentes.”</a:t>
+            </a:r>
+            <a:endParaRPr lang="es-ES" sz="1800" i="1" dirty="0">
+              <a:solidFill>
+                <a:schemeClr val="bg1"/>
+              </a:solidFill>
+              <a:latin typeface="+mj-lt"/>
+            </a:endParaRPr>
+          </a:p>
+        </p:txBody>
+      </p:sp>
+      <p:sp>
+        <p:nvSpPr>
+          <p:cNvPr id="15" name="CuadroTexto 14">
+            <a:extLst>
+              <a:ext uri="{FF2B5EF4-FFF2-40B4-BE49-F238E27FC236}">
+                <a16:creationId xmlns:a16="http://schemas.microsoft.com/office/drawing/2014/main" id="{529690EE-F089-769D-C371-E73289EC1ABA}"/>
+              </a:ext>
+            </a:extLst>
+          </p:cNvPr>
+          <p:cNvSpPr txBox="1"/>
+          <p:nvPr/>
+        </p:nvSpPr>
+        <p:spPr>
+          <a:xfrm>
+            <a:off x="930850" y="5163863"/>
+            <a:ext cx="2968227" cy="954107"/>
+          </a:xfrm>
+          <a:prstGeom prst="rect">
+            <a:avLst/>
+          </a:prstGeom>
+          <a:noFill/>
+        </p:spPr>
+        <p:txBody>
+          <a:bodyPr wrap="square" rtlCol="0">
+            <a:spAutoFit/>
+          </a:bodyPr>
+          <a:lstStyle/>
+          <a:p>
+            <a:r>
+              <a:rPr lang="es-ES" dirty="0">
+                <a:solidFill>
+                  <a:schemeClr val="bg1"/>
+                </a:solidFill>
+              </a:rPr>
+              <a:t>Controla automáticamente las variaciones de esquema para evitar la inserción de registros incorrectos durante la ingesta.</a:t>
+            </a:r>
+          </a:p>
+        </p:txBody>
+      </p:sp>
+      <p:sp>
+        <p:nvSpPr>
+          <p:cNvPr id="16" name="CuadroTexto 15">
+            <a:extLst>
+              <a:ext uri="{FF2B5EF4-FFF2-40B4-BE49-F238E27FC236}">
+                <a16:creationId xmlns:a16="http://schemas.microsoft.com/office/drawing/2014/main" id="{AC192CD8-DC6C-78D1-7855-EA29E635EBCE}"/>
+              </a:ext>
+            </a:extLst>
+          </p:cNvPr>
+          <p:cNvSpPr txBox="1"/>
+          <p:nvPr/>
+        </p:nvSpPr>
+        <p:spPr>
+          <a:xfrm>
+            <a:off x="4652044" y="5163863"/>
+            <a:ext cx="2968227" cy="1384995"/>
+          </a:xfrm>
+          <a:prstGeom prst="rect">
+            <a:avLst/>
+          </a:prstGeom>
+          <a:noFill/>
+        </p:spPr>
+        <p:txBody>
+          <a:bodyPr wrap="square" rtlCol="0">
+            <a:spAutoFit/>
+          </a:bodyPr>
+          <a:lstStyle/>
+          <a:p>
+            <a:r>
+              <a:rPr lang="es-ES" dirty="0">
+                <a:solidFill>
+                  <a:schemeClr val="bg1"/>
+                </a:solidFill>
+              </a:rPr>
+              <a:t>Viajes en el tiempo: el control de versiones de datos permite reversiones, seguimientos de históricos completos y experimentos reproducibles de aprendizaje automático.</a:t>
+            </a:r>
+          </a:p>
+        </p:txBody>
+      </p:sp>
+    </p:spTree>
+    <p:extLst>
+      <p:ext uri="{BB962C8B-B14F-4D97-AF65-F5344CB8AC3E}">
+        <p14:creationId xmlns:p14="http://schemas.microsoft.com/office/powerpoint/2010/main" val="4028679497"/>
+      </p:ext>
+    </p:extLst>
   </p:cSld>
   <p:clrMapOvr>
     <a:masterClrMapping/>

--- a/slides/Big Data.pptx
+++ b/slides/Big Data.pptx
@@ -5,7 +5,7 @@
     <p:sldMasterId id="2147483648" r:id="rId1"/>
   </p:sldMasterIdLst>
   <p:notesMasterIdLst>
-    <p:notesMasterId r:id="rId22"/>
+    <p:notesMasterId r:id="rId21"/>
   </p:notesMasterIdLst>
   <p:sldIdLst>
     <p:sldId id="256" r:id="rId2"/>
@@ -21,13 +21,12 @@
     <p:sldId id="315" r:id="rId12"/>
     <p:sldId id="316" r:id="rId13"/>
     <p:sldId id="317" r:id="rId14"/>
-    <p:sldId id="325" r:id="rId15"/>
-    <p:sldId id="318" r:id="rId16"/>
-    <p:sldId id="319" r:id="rId17"/>
-    <p:sldId id="320" r:id="rId18"/>
-    <p:sldId id="321" r:id="rId19"/>
-    <p:sldId id="323" r:id="rId20"/>
-    <p:sldId id="324" r:id="rId21"/>
+    <p:sldId id="318" r:id="rId15"/>
+    <p:sldId id="319" r:id="rId16"/>
+    <p:sldId id="320" r:id="rId17"/>
+    <p:sldId id="321" r:id="rId18"/>
+    <p:sldId id="323" r:id="rId19"/>
+    <p:sldId id="324" r:id="rId20"/>
   </p:sldIdLst>
   <p:sldSz cx="12192000" cy="6858000"/>
   <p:notesSz cx="6858000" cy="9144000"/>
@@ -265,7 +264,7 @@
       <p15:sldGuideLst xmlns:p15="http://schemas.microsoft.com/office/powerpoint/2012/main"/>
     </p:ext>
     <p:ext uri="http://customooxmlschemas.google.com/">
-      <go:slidesCustomData xmlns="" xmlns:mc="http://schemas.openxmlformats.org/markup-compatibility/2006" xmlns:mv="urn:schemas-microsoft-com:mac:vml" xmlns:c="http://schemas.openxmlformats.org/drawingml/2006/chart" xmlns:dgm="http://schemas.openxmlformats.org/drawingml/2006/diagram" xmlns:o="urn:schemas-microsoft-com:office:office" xmlns:v="urn:schemas-microsoft-com:vml" xmlns:pvml="urn:schemas-microsoft-com:office:powerpoint" xmlns:com="http://schemas.openxmlformats.org/drawingml/2006/compatibility" xmlns:p14="http://schemas.microsoft.com/office/powerpoint/2010/main" xmlns:p15="http://schemas.microsoft.com/office/powerpoint/2012/main" xmlns:ahyp="http://schemas.microsoft.com/office/drawing/2018/hyperlinkcolor" xmlns:go="http://customooxmlschemas.google.com/" r:id="rId35" roundtripDataSignature="AMtx7miuGAYpEUa6YWxgWsB/YZMBTWybsQ=="/>
+      <go:slidesCustomData xmlns:go="http://customooxmlschemas.google.com/" xmlns:ahyp="http://schemas.microsoft.com/office/drawing/2018/hyperlinkcolor" xmlns:p15="http://schemas.microsoft.com/office/powerpoint/2012/main" xmlns:p14="http://schemas.microsoft.com/office/powerpoint/2010/main" xmlns:com="http://schemas.openxmlformats.org/drawingml/2006/compatibility" xmlns:pvml="urn:schemas-microsoft-com:office:powerpoint" xmlns:v="urn:schemas-microsoft-com:vml" xmlns:o="urn:schemas-microsoft-com:office:office" xmlns:dgm="http://schemas.openxmlformats.org/drawingml/2006/diagram" xmlns:c="http://schemas.openxmlformats.org/drawingml/2006/chart" xmlns:mv="urn:schemas-microsoft-com:mac:vml" xmlns:mc="http://schemas.openxmlformats.org/markup-compatibility/2006" xmlns="" r:id="rId35" roundtripDataSignature="AMtx7miuGAYpEUa6YWxgWsB/YZMBTWybsQ=="/>
     </p:ext>
   </p:extLst>
 </p:presentation>
@@ -2103,7 +2102,7 @@
     </p:spTree>
     <p:extLst>
       <p:ext uri="{BB962C8B-B14F-4D97-AF65-F5344CB8AC3E}">
-        <p14:creationId xmlns:p14="http://schemas.microsoft.com/office/powerpoint/2010/main" val="4078444201"/>
+        <p14:creationId xmlns:p14="http://schemas.microsoft.com/office/powerpoint/2010/main" val="4078709114"/>
       </p:ext>
     </p:extLst>
   </p:cSld>
@@ -2212,7 +2211,7 @@
     </p:spTree>
     <p:extLst>
       <p:ext uri="{BB962C8B-B14F-4D97-AF65-F5344CB8AC3E}">
-        <p14:creationId xmlns:p14="http://schemas.microsoft.com/office/powerpoint/2010/main" val="4078709114"/>
+        <p14:creationId xmlns:p14="http://schemas.microsoft.com/office/powerpoint/2010/main" val="49561235"/>
       </p:ext>
     </p:extLst>
   </p:cSld>
@@ -2321,7 +2320,7 @@
     </p:spTree>
     <p:extLst>
       <p:ext uri="{BB962C8B-B14F-4D97-AF65-F5344CB8AC3E}">
-        <p14:creationId xmlns:p14="http://schemas.microsoft.com/office/powerpoint/2010/main" val="49561235"/>
+        <p14:creationId xmlns:p14="http://schemas.microsoft.com/office/powerpoint/2010/main" val="533792543"/>
       </p:ext>
     </p:extLst>
   </p:cSld>
@@ -2430,7 +2429,7 @@
     </p:spTree>
     <p:extLst>
       <p:ext uri="{BB962C8B-B14F-4D97-AF65-F5344CB8AC3E}">
-        <p14:creationId xmlns:p14="http://schemas.microsoft.com/office/powerpoint/2010/main" val="533792543"/>
+        <p14:creationId xmlns:p14="http://schemas.microsoft.com/office/powerpoint/2010/main" val="378808124"/>
       </p:ext>
     </p:extLst>
   </p:cSld>
@@ -2539,7 +2538,7 @@
     </p:spTree>
     <p:extLst>
       <p:ext uri="{BB962C8B-B14F-4D97-AF65-F5344CB8AC3E}">
-        <p14:creationId xmlns:p14="http://schemas.microsoft.com/office/powerpoint/2010/main" val="378808124"/>
+        <p14:creationId xmlns:p14="http://schemas.microsoft.com/office/powerpoint/2010/main" val="1429656864"/>
       </p:ext>
     </p:extLst>
   </p:cSld>
@@ -2648,7 +2647,7 @@
     </p:spTree>
     <p:extLst>
       <p:ext uri="{BB962C8B-B14F-4D97-AF65-F5344CB8AC3E}">
-        <p14:creationId xmlns:p14="http://schemas.microsoft.com/office/powerpoint/2010/main" val="1429656864"/>
+        <p14:creationId xmlns:p14="http://schemas.microsoft.com/office/powerpoint/2010/main" val="3912061532"/>
       </p:ext>
     </p:extLst>
   </p:cSld>
@@ -2755,115 +2754,6 @@
         </p:spPr>
       </p:sp>
     </p:spTree>
-  </p:cSld>
-  <p:clrMapOvr>
-    <a:masterClrMapping/>
-  </p:clrMapOvr>
-</p:notes>
-</file>
-
-<file path=ppt/notesSlides/notesSlide20.xml><?xml version="1.0" encoding="utf-8"?>
-<p:notes xmlns:a="http://schemas.openxmlformats.org/drawingml/2006/main" xmlns:r="http://schemas.openxmlformats.org/officeDocument/2006/relationships" xmlns:p="http://schemas.openxmlformats.org/presentationml/2006/main" showMasterSp="0" showMasterPhAnim="0">
-  <p:cSld>
-    <p:spTree>
-      <p:nvGrpSpPr>
-        <p:cNvPr id="1" name="Shape 96"/>
-        <p:cNvGrpSpPr/>
-        <p:nvPr/>
-      </p:nvGrpSpPr>
-      <p:grpSpPr>
-        <a:xfrm>
-          <a:off x="0" y="0"/>
-          <a:ext cx="0" cy="0"/>
-          <a:chOff x="0" y="0"/>
-          <a:chExt cx="0" cy="0"/>
-        </a:xfrm>
-      </p:grpSpPr>
-      <p:sp>
-        <p:nvSpPr>
-          <p:cNvPr id="97" name="Google Shape;97;p3:notes"/>
-          <p:cNvSpPr txBox="1">
-            <a:spLocks noGrp="1"/>
-          </p:cNvSpPr>
-          <p:nvPr>
-            <p:ph type="body" idx="1"/>
-          </p:nvPr>
-        </p:nvSpPr>
-        <p:spPr>
-          <a:xfrm>
-            <a:off x="685800" y="4400550"/>
-            <a:ext cx="5486400" cy="3600450"/>
-          </a:xfrm>
-          <a:prstGeom prst="rect">
-            <a:avLst/>
-          </a:prstGeom>
-        </p:spPr>
-        <p:txBody>
-          <a:bodyPr spcFirstLastPara="1" wrap="square" lIns="91425" tIns="45700" rIns="91425" bIns="45700" anchor="t" anchorCtr="0">
-            <a:noAutofit/>
-          </a:bodyPr>
-          <a:lstStyle/>
-          <a:p>
-            <a:pPr marL="0" lvl="0" indent="0" algn="l" rtl="0">
-              <a:spcBef>
-                <a:spcPts val="0"/>
-              </a:spcBef>
-              <a:spcAft>
-                <a:spcPts val="0"/>
-              </a:spcAft>
-              <a:buNone/>
-            </a:pPr>
-            <a:endParaRPr/>
-          </a:p>
-        </p:txBody>
-      </p:sp>
-      <p:sp>
-        <p:nvSpPr>
-          <p:cNvPr id="98" name="Google Shape;98;p3:notes"/>
-          <p:cNvSpPr>
-            <a:spLocks noGrp="1" noRot="1" noChangeAspect="1"/>
-          </p:cNvSpPr>
-          <p:nvPr>
-            <p:ph type="sldImg" idx="2"/>
-          </p:nvPr>
-        </p:nvSpPr>
-        <p:spPr>
-          <a:xfrm>
-            <a:off x="685800" y="1143000"/>
-            <a:ext cx="5486400" cy="3086100"/>
-          </a:xfrm>
-          <a:custGeom>
-            <a:avLst/>
-            <a:gdLst/>
-            <a:ahLst/>
-            <a:cxnLst/>
-            <a:rect l="l" t="t" r="r" b="b"/>
-            <a:pathLst>
-              <a:path w="120000" h="120000" extrusionOk="0">
-                <a:moveTo>
-                  <a:pt x="0" y="0"/>
-                </a:moveTo>
-                <a:lnTo>
-                  <a:pt x="120000" y="0"/>
-                </a:lnTo>
-                <a:lnTo>
-                  <a:pt x="120000" y="120000"/>
-                </a:lnTo>
-                <a:lnTo>
-                  <a:pt x="0" y="120000"/>
-                </a:lnTo>
-                <a:close/>
-              </a:path>
-            </a:pathLst>
-          </a:custGeom>
-        </p:spPr>
-      </p:sp>
-    </p:spTree>
-    <p:extLst>
-      <p:ext uri="{BB962C8B-B14F-4D97-AF65-F5344CB8AC3E}">
-        <p14:creationId xmlns:p14="http://schemas.microsoft.com/office/powerpoint/2010/main" val="3912061532"/>
-      </p:ext>
-    </p:extLst>
   </p:cSld>
   <p:clrMapOvr>
     <a:masterClrMapping/>
@@ -16237,537 +16127,6 @@
                   <a:srgbClr val="D8D8D8"/>
                 </a:solidFill>
               </a:rPr>
-              <a:t>High </a:t>
-            </a:r>
-            <a:r>
-              <a:rPr lang="es-ES" sz="1800" i="1" dirty="0" err="1">
-                <a:solidFill>
-                  <a:srgbClr val="D8D8D8"/>
-                </a:solidFill>
-              </a:rPr>
-              <a:t>Distributed</a:t>
-            </a:r>
-            <a:r>
-              <a:rPr lang="es-ES" sz="1800" i="1" dirty="0">
-                <a:solidFill>
-                  <a:srgbClr val="D8D8D8"/>
-                </a:solidFill>
-              </a:rPr>
-              <a:t> File </a:t>
-            </a:r>
-            <a:r>
-              <a:rPr lang="es-ES" sz="1800" i="1" dirty="0" err="1">
-                <a:solidFill>
-                  <a:srgbClr val="D8D8D8"/>
-                </a:solidFill>
-              </a:rPr>
-              <a:t>System</a:t>
-            </a:r>
-            <a:endParaRPr dirty="0"/>
-          </a:p>
-        </p:txBody>
-      </p:sp>
-      <p:sp>
-        <p:nvSpPr>
-          <p:cNvPr id="102" name="Google Shape;102;p3"/>
-          <p:cNvSpPr/>
-          <p:nvPr/>
-        </p:nvSpPr>
-        <p:spPr>
-          <a:xfrm>
-            <a:off x="497691" y="763312"/>
-            <a:ext cx="90138" cy="654341"/>
-          </a:xfrm>
-          <a:prstGeom prst="rect">
-            <a:avLst/>
-          </a:prstGeom>
-          <a:solidFill>
-            <a:srgbClr val="C00000"/>
-          </a:solidFill>
-          <a:ln>
-            <a:noFill/>
-          </a:ln>
-        </p:spPr>
-        <p:txBody>
-          <a:bodyPr spcFirstLastPara="1" wrap="square" lIns="91425" tIns="45700" rIns="91425" bIns="45700" anchor="ctr" anchorCtr="0">
-            <a:noAutofit/>
-          </a:bodyPr>
-          <a:lstStyle/>
-          <a:p>
-            <a:pPr marL="0" marR="0" lvl="0" indent="0" algn="ctr" rtl="0">
-              <a:spcBef>
-                <a:spcPts val="0"/>
-              </a:spcBef>
-              <a:spcAft>
-                <a:spcPts val="0"/>
-              </a:spcAft>
-              <a:buNone/>
-            </a:pPr>
-            <a:endParaRPr sz="1800" b="0" i="0" u="none" strike="noStrike" cap="none">
-              <a:solidFill>
-                <a:schemeClr val="lt1"/>
-              </a:solidFill>
-              <a:latin typeface="Calibri"/>
-              <a:ea typeface="Calibri"/>
-              <a:cs typeface="Calibri"/>
-              <a:sym typeface="Calibri"/>
-            </a:endParaRPr>
-          </a:p>
-        </p:txBody>
-      </p:sp>
-      <p:sp>
-        <p:nvSpPr>
-          <p:cNvPr id="7" name="CuadroTexto 6">
-            <a:extLst>
-              <a:ext uri="{FF2B5EF4-FFF2-40B4-BE49-F238E27FC236}">
-                <a16:creationId xmlns:a16="http://schemas.microsoft.com/office/drawing/2014/main" id="{A01360A7-5209-43E4-ACE4-FDFF0D04EFFB}"/>
-              </a:ext>
-            </a:extLst>
-          </p:cNvPr>
-          <p:cNvSpPr txBox="1"/>
-          <p:nvPr/>
-        </p:nvSpPr>
-        <p:spPr>
-          <a:xfrm>
-            <a:off x="2109602" y="2146980"/>
-            <a:ext cx="7972795" cy="2031325"/>
-          </a:xfrm>
-          <a:prstGeom prst="rect">
-            <a:avLst/>
-          </a:prstGeom>
-          <a:noFill/>
-        </p:spPr>
-        <p:txBody>
-          <a:bodyPr wrap="square" rtlCol="0">
-            <a:spAutoFit/>
-          </a:bodyPr>
-          <a:lstStyle/>
-          <a:p>
-            <a:pPr algn="ctr"/>
-            <a:r>
-              <a:rPr lang="es-ES" sz="1800" i="1" dirty="0">
-                <a:solidFill>
-                  <a:schemeClr val="bg1"/>
-                </a:solidFill>
-                <a:latin typeface="+mj-lt"/>
-              </a:rPr>
-              <a:t>“</a:t>
-            </a:r>
-            <a:r>
-              <a:rPr lang="es-ES" sz="1800" i="1" dirty="0">
-                <a:solidFill>
-                  <a:schemeClr val="bg1"/>
-                </a:solidFill>
-                <a:effectLst/>
-                <a:latin typeface="+mj-lt"/>
-              </a:rPr>
-              <a:t>Delta Lake es una capa de almacenamiento de código abierto que aporta confiabilidad a los lagos de datos. Delta Lake proporciona transacciones ACID, control escalable de metadatos y unifica el procesamiento de datos de </a:t>
-            </a:r>
-            <a:r>
-              <a:rPr lang="es-ES" sz="1800" i="1" dirty="0" err="1">
-                <a:solidFill>
-                  <a:schemeClr val="bg1"/>
-                </a:solidFill>
-                <a:effectLst/>
-                <a:latin typeface="+mj-lt"/>
-              </a:rPr>
-              <a:t>streaming</a:t>
-            </a:r>
-            <a:r>
-              <a:rPr lang="es-ES" sz="1800" i="1" dirty="0">
-                <a:solidFill>
-                  <a:schemeClr val="bg1"/>
-                </a:solidFill>
-                <a:effectLst/>
-                <a:latin typeface="+mj-lt"/>
-              </a:rPr>
-              <a:t> y por lotes. Delta Lake se ejecuta sobre su lago de datos existente y es totalmente compatible con las API de Apache </a:t>
-            </a:r>
-            <a:r>
-              <a:rPr lang="es-ES" sz="1800" i="1" dirty="0" err="1">
-                <a:solidFill>
-                  <a:schemeClr val="bg1"/>
-                </a:solidFill>
-                <a:effectLst/>
-                <a:latin typeface="+mj-lt"/>
-              </a:rPr>
-              <a:t>Spark</a:t>
-            </a:r>
-            <a:r>
-              <a:rPr lang="es-ES" sz="1800" i="1" dirty="0">
-                <a:solidFill>
-                  <a:schemeClr val="bg1"/>
-                </a:solidFill>
-                <a:effectLst/>
-                <a:latin typeface="+mj-lt"/>
-              </a:rPr>
-              <a:t>. Delta Lake en Azure </a:t>
-            </a:r>
-            <a:r>
-              <a:rPr lang="es-ES" sz="1800" i="1" dirty="0" err="1">
-                <a:solidFill>
-                  <a:schemeClr val="bg1"/>
-                </a:solidFill>
-                <a:effectLst/>
-                <a:latin typeface="+mj-lt"/>
-              </a:rPr>
-              <a:t>Databricks</a:t>
-            </a:r>
-            <a:r>
-              <a:rPr lang="es-ES" sz="1800" i="1" dirty="0">
-                <a:solidFill>
-                  <a:schemeClr val="bg1"/>
-                </a:solidFill>
-                <a:effectLst/>
-                <a:latin typeface="+mj-lt"/>
-              </a:rPr>
-              <a:t> permite configurar el lago Delta en función de los patrones de las cargas de trabajo.”</a:t>
-            </a:r>
-            <a:endParaRPr lang="es-ES" sz="1800" i="1" dirty="0">
-              <a:solidFill>
-                <a:schemeClr val="bg1"/>
-              </a:solidFill>
-              <a:latin typeface="+mj-lt"/>
-            </a:endParaRPr>
-          </a:p>
-        </p:txBody>
-      </p:sp>
-      <p:pic>
-        <p:nvPicPr>
-          <p:cNvPr id="5124" name="Picture 4" descr="Comparing Databricks to Apache Spark - Databricks">
-            <a:extLst>
-              <a:ext uri="{FF2B5EF4-FFF2-40B4-BE49-F238E27FC236}">
-                <a16:creationId xmlns:a16="http://schemas.microsoft.com/office/drawing/2014/main" id="{F41683CF-704A-4AFF-89FA-F5DBAE84E2ED}"/>
-              </a:ext>
-            </a:extLst>
-          </p:cNvPr>
-          <p:cNvPicPr>
-            <a:picLocks noChangeAspect="1" noChangeArrowheads="1"/>
-          </p:cNvPicPr>
-          <p:nvPr/>
-        </p:nvPicPr>
-        <p:blipFill>
-          <a:blip r:embed="rId3">
-            <a:extLst>
-              <a:ext uri="{28A0092B-C50C-407E-A947-70E740481C1C}">
-                <a14:useLocalDpi xmlns:a14="http://schemas.microsoft.com/office/drawing/2010/main" val="0"/>
-              </a:ext>
-            </a:extLst>
-          </a:blip>
-          <a:srcRect/>
-          <a:stretch>
-            <a:fillRect/>
-          </a:stretch>
-        </p:blipFill>
-        <p:spPr bwMode="auto">
-          <a:xfrm>
-            <a:off x="9896474" y="538535"/>
-            <a:ext cx="1666875" cy="866775"/>
-          </a:xfrm>
-          <a:prstGeom prst="rect">
-            <a:avLst/>
-          </a:prstGeom>
-          <a:noFill/>
-          <a:extLst>
-            <a:ext uri="{909E8E84-426E-40DD-AFC4-6F175D3DCCD1}">
-              <a14:hiddenFill xmlns:a14="http://schemas.microsoft.com/office/drawing/2010/main">
-                <a:solidFill>
-                  <a:srgbClr val="FFFFFF"/>
-                </a:solidFill>
-              </a14:hiddenFill>
-            </a:ext>
-          </a:extLst>
-        </p:spPr>
-      </p:pic>
-      <p:pic>
-        <p:nvPicPr>
-          <p:cNvPr id="5126" name="Picture 6" descr="S+ruc+ured &#10;S+reaminq &#10;Datasets &#10;Advanced &#10;Analy+ics &#10;S+ruc+ured APIs &#10;Da+oFrarnes &#10;Low-level APIs &#10;Libraries L &#10;Ecosystem &#10;SQL &#10;Di$+ribu+ed Variables ">
-            <a:extLst>
-              <a:ext uri="{FF2B5EF4-FFF2-40B4-BE49-F238E27FC236}">
-                <a16:creationId xmlns:a16="http://schemas.microsoft.com/office/drawing/2014/main" id="{429A18B5-6EDD-4829-8548-165851EBE38D}"/>
-              </a:ext>
-            </a:extLst>
-          </p:cNvPr>
-          <p:cNvPicPr>
-            <a:picLocks noChangeAspect="1" noChangeArrowheads="1"/>
-          </p:cNvPicPr>
-          <p:nvPr/>
-        </p:nvPicPr>
-        <p:blipFill>
-          <a:blip r:embed="rId4">
-            <a:extLst>
-              <a:ext uri="{28A0092B-C50C-407E-A947-70E740481C1C}">
-                <a14:useLocalDpi xmlns:a14="http://schemas.microsoft.com/office/drawing/2010/main" val="0"/>
-              </a:ext>
-            </a:extLst>
-          </a:blip>
-          <a:srcRect/>
-          <a:stretch>
-            <a:fillRect/>
-          </a:stretch>
-        </p:blipFill>
-        <p:spPr bwMode="auto">
-          <a:xfrm>
-            <a:off x="3962060" y="3305391"/>
-            <a:ext cx="4485594" cy="3021592"/>
-          </a:xfrm>
-          <a:prstGeom prst="rect">
-            <a:avLst/>
-          </a:prstGeom>
-          <a:noFill/>
-          <a:extLst>
-            <a:ext uri="{909E8E84-426E-40DD-AFC4-6F175D3DCCD1}">
-              <a14:hiddenFill xmlns:a14="http://schemas.microsoft.com/office/drawing/2010/main">
-                <a:solidFill>
-                  <a:srgbClr val="FFFFFF"/>
-                </a:solidFill>
-              </a14:hiddenFill>
-            </a:ext>
-          </a:extLst>
-        </p:spPr>
-      </p:pic>
-      <p:sp>
-        <p:nvSpPr>
-          <p:cNvPr id="2" name="CuadroTexto 1">
-            <a:extLst>
-              <a:ext uri="{FF2B5EF4-FFF2-40B4-BE49-F238E27FC236}">
-                <a16:creationId xmlns:a16="http://schemas.microsoft.com/office/drawing/2014/main" id="{1C4A9D70-C482-4B98-843A-F685EAEFE801}"/>
-              </a:ext>
-            </a:extLst>
-          </p:cNvPr>
-          <p:cNvSpPr txBox="1"/>
-          <p:nvPr/>
-        </p:nvSpPr>
-        <p:spPr>
-          <a:xfrm>
-            <a:off x="409575" y="3629025"/>
-            <a:ext cx="2686050" cy="1384995"/>
-          </a:xfrm>
-          <a:prstGeom prst="rect">
-            <a:avLst/>
-          </a:prstGeom>
-          <a:noFill/>
-        </p:spPr>
-        <p:txBody>
-          <a:bodyPr wrap="square" rtlCol="0">
-            <a:spAutoFit/>
-          </a:bodyPr>
-          <a:lstStyle/>
-          <a:p>
-            <a:r>
-              <a:rPr lang="es-ES" dirty="0">
-                <a:solidFill>
-                  <a:schemeClr val="bg1"/>
-                </a:solidFill>
-              </a:rPr>
-              <a:t>Escrito en Scala</a:t>
-            </a:r>
-          </a:p>
-          <a:p>
-            <a:r>
-              <a:rPr lang="es-ES" dirty="0">
-                <a:solidFill>
-                  <a:schemeClr val="bg1"/>
-                </a:solidFill>
-              </a:rPr>
-              <a:t>Corre sobre Java (JVM)</a:t>
-            </a:r>
-          </a:p>
-          <a:p>
-            <a:endParaRPr lang="es-ES" dirty="0">
-              <a:solidFill>
-                <a:schemeClr val="bg1"/>
-              </a:solidFill>
-            </a:endParaRPr>
-          </a:p>
-          <a:p>
-            <a:r>
-              <a:rPr lang="es-ES" dirty="0">
-                <a:solidFill>
-                  <a:schemeClr val="bg1"/>
-                </a:solidFill>
-              </a:rPr>
-              <a:t>Se combina con Hadoop</a:t>
-            </a:r>
-          </a:p>
-          <a:p>
-            <a:endParaRPr lang="es-ES" dirty="0">
-              <a:solidFill>
-                <a:schemeClr val="bg1"/>
-              </a:solidFill>
-            </a:endParaRPr>
-          </a:p>
-          <a:p>
-            <a:r>
-              <a:rPr lang="es-ES" dirty="0" err="1">
-                <a:solidFill>
-                  <a:schemeClr val="bg1"/>
-                </a:solidFill>
-              </a:rPr>
-              <a:t>Librerias</a:t>
-            </a:r>
-            <a:r>
-              <a:rPr lang="es-ES" dirty="0">
-                <a:solidFill>
-                  <a:schemeClr val="bg1"/>
-                </a:solidFill>
-              </a:rPr>
-              <a:t> y </a:t>
-            </a:r>
-            <a:r>
-              <a:rPr lang="es-ES" dirty="0" err="1">
-                <a:solidFill>
-                  <a:schemeClr val="bg1"/>
-                </a:solidFill>
-              </a:rPr>
-              <a:t>APIs</a:t>
-            </a:r>
-            <a:r>
-              <a:rPr lang="es-ES" dirty="0">
-                <a:solidFill>
-                  <a:schemeClr val="bg1"/>
-                </a:solidFill>
-              </a:rPr>
-              <a:t> de terceros</a:t>
-            </a:r>
-          </a:p>
-        </p:txBody>
-      </p:sp>
-    </p:spTree>
-    <p:extLst>
-      <p:ext uri="{BB962C8B-B14F-4D97-AF65-F5344CB8AC3E}">
-        <p14:creationId xmlns:p14="http://schemas.microsoft.com/office/powerpoint/2010/main" val="1675177504"/>
-      </p:ext>
-    </p:extLst>
-  </p:cSld>
-  <p:clrMapOvr>
-    <a:masterClrMapping/>
-  </p:clrMapOvr>
-</p:sld>
-</file>
-
-<file path=ppt/slides/slide15.xml><?xml version="1.0" encoding="utf-8"?>
-<p:sld xmlns:a="http://schemas.openxmlformats.org/drawingml/2006/main" xmlns:r="http://schemas.openxmlformats.org/officeDocument/2006/relationships" xmlns:p="http://schemas.openxmlformats.org/presentationml/2006/main">
-  <p:cSld>
-    <p:spTree>
-      <p:nvGrpSpPr>
-        <p:cNvPr id="1" name="Shape 99"/>
-        <p:cNvGrpSpPr/>
-        <p:nvPr/>
-      </p:nvGrpSpPr>
-      <p:grpSpPr>
-        <a:xfrm>
-          <a:off x="0" y="0"/>
-          <a:ext cx="0" cy="0"/>
-          <a:chOff x="0" y="0"/>
-          <a:chExt cx="0" cy="0"/>
-        </a:xfrm>
-      </p:grpSpPr>
-      <p:sp>
-        <p:nvSpPr>
-          <p:cNvPr id="100" name="Google Shape;100;p3"/>
-          <p:cNvSpPr txBox="1">
-            <a:spLocks noGrp="1"/>
-          </p:cNvSpPr>
-          <p:nvPr>
-            <p:ph type="title"/>
-          </p:nvPr>
-        </p:nvSpPr>
-        <p:spPr>
-          <a:xfrm>
-            <a:off x="716902" y="309142"/>
-            <a:ext cx="10515600" cy="1325563"/>
-          </a:xfrm>
-          <a:prstGeom prst="rect">
-            <a:avLst/>
-          </a:prstGeom>
-          <a:noFill/>
-          <a:ln>
-            <a:noFill/>
-          </a:ln>
-        </p:spPr>
-        <p:txBody>
-          <a:bodyPr spcFirstLastPara="1" wrap="square" lIns="91425" tIns="45700" rIns="91425" bIns="45700" anchor="ctr" anchorCtr="0">
-            <a:normAutofit/>
-          </a:bodyPr>
-          <a:lstStyle/>
-          <a:p>
-            <a:pPr marL="0" lvl="0" indent="0" algn="l" rtl="0">
-              <a:lnSpc>
-                <a:spcPct val="90000"/>
-              </a:lnSpc>
-              <a:spcBef>
-                <a:spcPts val="0"/>
-              </a:spcBef>
-              <a:spcAft>
-                <a:spcPts val="0"/>
-              </a:spcAft>
-              <a:buClr>
-                <a:schemeClr val="lt1"/>
-              </a:buClr>
-              <a:buSzPts val="4400"/>
-              <a:buFont typeface="Calibri"/>
-              <a:buNone/>
-            </a:pPr>
-            <a:r>
-              <a:rPr lang="es-ES" dirty="0" err="1"/>
-              <a:t>Spark</a:t>
-            </a:r>
-            <a:endParaRPr dirty="0"/>
-          </a:p>
-        </p:txBody>
-      </p:sp>
-      <p:sp>
-        <p:nvSpPr>
-          <p:cNvPr id="101" name="Google Shape;101;p3"/>
-          <p:cNvSpPr txBox="1">
-            <a:spLocks noGrp="1"/>
-          </p:cNvSpPr>
-          <p:nvPr>
-            <p:ph type="body" idx="1"/>
-          </p:nvPr>
-        </p:nvSpPr>
-        <p:spPr>
-          <a:xfrm>
-            <a:off x="716902" y="1283082"/>
-            <a:ext cx="5487955" cy="479036"/>
-          </a:xfrm>
-          <a:prstGeom prst="rect">
-            <a:avLst/>
-          </a:prstGeom>
-          <a:noFill/>
-          <a:ln>
-            <a:noFill/>
-          </a:ln>
-        </p:spPr>
-        <p:txBody>
-          <a:bodyPr spcFirstLastPara="1" wrap="square" lIns="91425" tIns="45700" rIns="91425" bIns="45700" anchor="t" anchorCtr="0">
-            <a:normAutofit/>
-          </a:bodyPr>
-          <a:lstStyle/>
-          <a:p>
-            <a:pPr marL="0" lvl="0" indent="0" algn="l" rtl="0">
-              <a:lnSpc>
-                <a:spcPct val="90000"/>
-              </a:lnSpc>
-              <a:spcBef>
-                <a:spcPts val="0"/>
-              </a:spcBef>
-              <a:spcAft>
-                <a:spcPts val="0"/>
-              </a:spcAft>
-              <a:buClr>
-                <a:srgbClr val="D8D8D8"/>
-              </a:buClr>
-              <a:buSzPts val="1800"/>
-              <a:buNone/>
-            </a:pPr>
-            <a:r>
-              <a:rPr lang="es-ES" sz="1800" i="1" dirty="0">
-                <a:solidFill>
-                  <a:srgbClr val="D8D8D8"/>
-                </a:solidFill>
-              </a:rPr>
               <a:t>Funcionamiento</a:t>
             </a:r>
             <a:endParaRPr dirty="0"/>
@@ -17074,7 +16433,7 @@
 </p:sld>
 </file>
 
-<file path=ppt/slides/slide16.xml><?xml version="1.0" encoding="utf-8"?>
+<file path=ppt/slides/slide15.xml><?xml version="1.0" encoding="utf-8"?>
 <p:sld xmlns:a="http://schemas.openxmlformats.org/drawingml/2006/main" xmlns:r="http://schemas.openxmlformats.org/officeDocument/2006/relationships" xmlns:p="http://schemas.openxmlformats.org/presentationml/2006/main">
   <p:cSld>
     <p:spTree>
@@ -17529,7 +16888,7 @@
 </p:sld>
 </file>
 
-<file path=ppt/slides/slide17.xml><?xml version="1.0" encoding="utf-8"?>
+<file path=ppt/slides/slide16.xml><?xml version="1.0" encoding="utf-8"?>
 <p:sld xmlns:a="http://schemas.openxmlformats.org/drawingml/2006/main" xmlns:r="http://schemas.openxmlformats.org/officeDocument/2006/relationships" xmlns:p="http://schemas.openxmlformats.org/presentationml/2006/main">
   <p:cSld>
     <p:spTree>
@@ -17910,7 +17269,7 @@
 </p:sld>
 </file>
 
-<file path=ppt/slides/slide18.xml><?xml version="1.0" encoding="utf-8"?>
+<file path=ppt/slides/slide17.xml><?xml version="1.0" encoding="utf-8"?>
 <p:sld xmlns:a="http://schemas.openxmlformats.org/drawingml/2006/main" xmlns:r="http://schemas.openxmlformats.org/officeDocument/2006/relationships" xmlns:p="http://schemas.openxmlformats.org/presentationml/2006/main">
   <p:cSld>
     <p:spTree>
@@ -18517,7 +17876,7 @@
 </p:sld>
 </file>
 
-<file path=ppt/slides/slide19.xml><?xml version="1.0" encoding="utf-8"?>
+<file path=ppt/slides/slide18.xml><?xml version="1.0" encoding="utf-8"?>
 <p:sld xmlns:a="http://schemas.openxmlformats.org/drawingml/2006/main" xmlns:r="http://schemas.openxmlformats.org/officeDocument/2006/relationships" xmlns:p="http://schemas.openxmlformats.org/presentationml/2006/main">
   <p:cSld>
     <p:spTree>
@@ -18819,86 +18178,7 @@
 </p:sld>
 </file>
 
-<file path=ppt/slides/slide2.xml><?xml version="1.0" encoding="utf-8"?>
-<p:sld xmlns:a="http://schemas.openxmlformats.org/drawingml/2006/main" xmlns:r="http://schemas.openxmlformats.org/officeDocument/2006/relationships" xmlns:p="http://schemas.openxmlformats.org/presentationml/2006/main">
-  <p:cSld>
-    <p:spTree>
-      <p:nvGrpSpPr>
-        <p:cNvPr id="1" name="Shape 94"/>
-        <p:cNvGrpSpPr/>
-        <p:nvPr/>
-      </p:nvGrpSpPr>
-      <p:grpSpPr>
-        <a:xfrm>
-          <a:off x="0" y="0"/>
-          <a:ext cx="0" cy="0"/>
-          <a:chOff x="0" y="0"/>
-          <a:chExt cx="0" cy="0"/>
-        </a:xfrm>
-      </p:grpSpPr>
-      <p:sp>
-        <p:nvSpPr>
-          <p:cNvPr id="95" name="Google Shape;95;p2"/>
-          <p:cNvSpPr txBox="1">
-            <a:spLocks noGrp="1"/>
-          </p:cNvSpPr>
-          <p:nvPr>
-            <p:ph type="title"/>
-          </p:nvPr>
-        </p:nvSpPr>
-        <p:spPr>
-          <a:xfrm>
-            <a:off x="2006600" y="1890712"/>
-            <a:ext cx="8178800" cy="3076575"/>
-          </a:xfrm>
-          <a:prstGeom prst="rect">
-            <a:avLst/>
-          </a:prstGeom>
-          <a:noFill/>
-          <a:ln>
-            <a:noFill/>
-          </a:ln>
-        </p:spPr>
-        <p:txBody>
-          <a:bodyPr spcFirstLastPara="1" wrap="square" lIns="91425" tIns="45700" rIns="91425" bIns="45700" anchor="ctr" anchorCtr="0">
-            <a:normAutofit/>
-          </a:bodyPr>
-          <a:lstStyle/>
-          <a:p>
-            <a:pPr marL="0" lvl="0" indent="0" algn="ctr" rtl="0">
-              <a:lnSpc>
-                <a:spcPct val="90000"/>
-              </a:lnSpc>
-              <a:spcBef>
-                <a:spcPts val="0"/>
-              </a:spcBef>
-              <a:spcAft>
-                <a:spcPts val="0"/>
-              </a:spcAft>
-              <a:buClr>
-                <a:schemeClr val="lt1"/>
-              </a:buClr>
-              <a:buSzPts val="4400"/>
-              <a:buFont typeface="Calibri"/>
-              <a:buNone/>
-            </a:pPr>
-            <a:r>
-              <a:rPr lang="es-ES" dirty="0"/>
-              <a:t>¿Qué es el Big Data?</a:t>
-            </a:r>
-            <a:endParaRPr dirty="0"/>
-          </a:p>
-        </p:txBody>
-      </p:sp>
-    </p:spTree>
-  </p:cSld>
-  <p:clrMapOvr>
-    <a:masterClrMapping/>
-  </p:clrMapOvr>
-</p:sld>
-</file>
-
-<file path=ppt/slides/slide20.xml><?xml version="1.0" encoding="utf-8"?>
+<file path=ppt/slides/slide19.xml><?xml version="1.0" encoding="utf-8"?>
 <p:sld xmlns:a="http://schemas.openxmlformats.org/drawingml/2006/main" xmlns:r="http://schemas.openxmlformats.org/officeDocument/2006/relationships" xmlns:p="http://schemas.openxmlformats.org/presentationml/2006/main">
   <p:cSld>
     <p:spTree>
@@ -19486,6 +18766,85 @@
         <p14:creationId xmlns:p14="http://schemas.microsoft.com/office/powerpoint/2010/main" val="4028679497"/>
       </p:ext>
     </p:extLst>
+  </p:cSld>
+  <p:clrMapOvr>
+    <a:masterClrMapping/>
+  </p:clrMapOvr>
+</p:sld>
+</file>
+
+<file path=ppt/slides/slide2.xml><?xml version="1.0" encoding="utf-8"?>
+<p:sld xmlns:a="http://schemas.openxmlformats.org/drawingml/2006/main" xmlns:r="http://schemas.openxmlformats.org/officeDocument/2006/relationships" xmlns:p="http://schemas.openxmlformats.org/presentationml/2006/main">
+  <p:cSld>
+    <p:spTree>
+      <p:nvGrpSpPr>
+        <p:cNvPr id="1" name="Shape 94"/>
+        <p:cNvGrpSpPr/>
+        <p:nvPr/>
+      </p:nvGrpSpPr>
+      <p:grpSpPr>
+        <a:xfrm>
+          <a:off x="0" y="0"/>
+          <a:ext cx="0" cy="0"/>
+          <a:chOff x="0" y="0"/>
+          <a:chExt cx="0" cy="0"/>
+        </a:xfrm>
+      </p:grpSpPr>
+      <p:sp>
+        <p:nvSpPr>
+          <p:cNvPr id="95" name="Google Shape;95;p2"/>
+          <p:cNvSpPr txBox="1">
+            <a:spLocks noGrp="1"/>
+          </p:cNvSpPr>
+          <p:nvPr>
+            <p:ph type="title"/>
+          </p:nvPr>
+        </p:nvSpPr>
+        <p:spPr>
+          <a:xfrm>
+            <a:off x="2006600" y="1890712"/>
+            <a:ext cx="8178800" cy="3076575"/>
+          </a:xfrm>
+          <a:prstGeom prst="rect">
+            <a:avLst/>
+          </a:prstGeom>
+          <a:noFill/>
+          <a:ln>
+            <a:noFill/>
+          </a:ln>
+        </p:spPr>
+        <p:txBody>
+          <a:bodyPr spcFirstLastPara="1" wrap="square" lIns="91425" tIns="45700" rIns="91425" bIns="45700" anchor="ctr" anchorCtr="0">
+            <a:normAutofit/>
+          </a:bodyPr>
+          <a:lstStyle/>
+          <a:p>
+            <a:pPr marL="0" lvl="0" indent="0" algn="ctr" rtl="0">
+              <a:lnSpc>
+                <a:spcPct val="90000"/>
+              </a:lnSpc>
+              <a:spcBef>
+                <a:spcPts val="0"/>
+              </a:spcBef>
+              <a:spcAft>
+                <a:spcPts val="0"/>
+              </a:spcAft>
+              <a:buClr>
+                <a:schemeClr val="lt1"/>
+              </a:buClr>
+              <a:buSzPts val="4400"/>
+              <a:buFont typeface="Calibri"/>
+              <a:buNone/>
+            </a:pPr>
+            <a:r>
+              <a:rPr lang="es-ES" dirty="0"/>
+              <a:t>¿Qué es el Big Data?</a:t>
+            </a:r>
+            <a:endParaRPr dirty="0"/>
+          </a:p>
+        </p:txBody>
+      </p:sp>
+    </p:spTree>
   </p:cSld>
   <p:clrMapOvr>
     <a:masterClrMapping/>
